--- a/docs/proposal.pptx
+++ b/docs/proposal.pptx
@@ -10,7 +10,7 @@
   <p:sldIdLst>
     <p:sldId id="256" r:id="rId2"/>
     <p:sldId id="258" r:id="rId3"/>
-    <p:sldId id="257" r:id="rId4"/>
+    <p:sldId id="260" r:id="rId4"/>
   </p:sldIdLst>
   <p:sldSz cx="12192000" cy="6858000"/>
   <p:notesSz cx="6858000" cy="9144000"/>
@@ -109,6 +109,11 @@
       </a:defRPr>
     </a:lvl9pPr>
   </p:defaultTextStyle>
+  <p:extLst>
+    <p:ext uri="{EFAFB233-063F-42B5-8137-9DF3F51BA10A}">
+      <p15:sldGuideLst xmlns:p15="http://schemas.microsoft.com/office/powerpoint/2012/main"/>
+    </p:ext>
+  </p:extLst>
 </p:presentation>
 </file>
 
@@ -194,7 +199,7 @@
           <a:p>
             <a:fld id="{96D716CF-D7D5-B24D-9632-C40DD5963395}" type="datetimeFigureOut">
               <a:rPr lang="en-GB" smtClean="0"/>
-              <a:t>11/10/2023</a:t>
+              <a:t>14/11/2023</a:t>
             </a:fld>
             <a:endParaRPr lang="en-GB"/>
           </a:p>
@@ -505,19 +510,91 @@
           <a:bodyPr/>
           <a:lstStyle/>
           <a:p>
-            <a:r>
-              <a:rPr lang="en-GB" dirty="0"/>
-              <a:t>based on their own imagination</a:t>
-            </a:r>
-          </a:p>
-          <a:p>
             <a:endParaRPr lang="en-GB" dirty="0"/>
           </a:p>
-          <a:p>
-            <a:r>
-              <a:rPr lang="en-GB" dirty="0"/>
-              <a:t>XAI: common grounding</a:t>
-            </a:r>
+        </p:txBody>
+      </p:sp>
+      <p:sp>
+        <p:nvSpPr>
+          <p:cNvPr id="4" name="Slide Number Placeholder 3"/>
+          <p:cNvSpPr>
+            <a:spLocks noGrp="1"/>
+          </p:cNvSpPr>
+          <p:nvPr>
+            <p:ph type="sldNum" sz="quarter" idx="5"/>
+          </p:nvPr>
+        </p:nvSpPr>
+        <p:spPr/>
+        <p:txBody>
+          <a:bodyPr/>
+          <a:lstStyle/>
+          <a:p>
+            <a:fld id="{60D654F5-4329-9446-91A3-254781772299}" type="slidenum">
+              <a:rPr lang="en-GB" smtClean="0"/>
+              <a:t>2</a:t>
+            </a:fld>
+            <a:endParaRPr lang="en-GB"/>
+          </a:p>
+        </p:txBody>
+      </p:sp>
+    </p:spTree>
+    <p:extLst>
+      <p:ext uri="{BB962C8B-B14F-4D97-AF65-F5344CB8AC3E}">
+        <p14:creationId xmlns:p14="http://schemas.microsoft.com/office/powerpoint/2010/main" val="3844326299"/>
+      </p:ext>
+    </p:extLst>
+  </p:cSld>
+  <p:clrMapOvr>
+    <a:masterClrMapping/>
+  </p:clrMapOvr>
+</p:notes>
+</file>
+
+<file path=ppt/notesSlides/notesSlide2.xml><?xml version="1.0" encoding="utf-8"?>
+<p:notes xmlns:a="http://schemas.openxmlformats.org/drawingml/2006/main" xmlns:r="http://schemas.openxmlformats.org/officeDocument/2006/relationships" xmlns:p="http://schemas.openxmlformats.org/presentationml/2006/main">
+  <p:cSld>
+    <p:spTree>
+      <p:nvGrpSpPr>
+        <p:cNvPr id="1" name=""/>
+        <p:cNvGrpSpPr/>
+        <p:nvPr/>
+      </p:nvGrpSpPr>
+      <p:grpSpPr>
+        <a:xfrm>
+          <a:off x="0" y="0"/>
+          <a:ext cx="0" cy="0"/>
+          <a:chOff x="0" y="0"/>
+          <a:chExt cx="0" cy="0"/>
+        </a:xfrm>
+      </p:grpSpPr>
+      <p:sp>
+        <p:nvSpPr>
+          <p:cNvPr id="2" name="Slide Image Placeholder 1"/>
+          <p:cNvSpPr>
+            <a:spLocks noGrp="1" noRot="1" noChangeAspect="1"/>
+          </p:cNvSpPr>
+          <p:nvPr>
+            <p:ph type="sldImg"/>
+          </p:nvPr>
+        </p:nvSpPr>
+        <p:spPr/>
+      </p:sp>
+      <p:sp>
+        <p:nvSpPr>
+          <p:cNvPr id="3" name="Notes Placeholder 2"/>
+          <p:cNvSpPr>
+            <a:spLocks noGrp="1"/>
+          </p:cNvSpPr>
+          <p:nvPr>
+            <p:ph type="body" idx="1"/>
+          </p:nvPr>
+        </p:nvSpPr>
+        <p:spPr/>
+        <p:txBody>
+          <a:bodyPr/>
+          <a:lstStyle/>
+          <a:p>
+            <a:endParaRPr lang="en-GB" dirty="0"/>
           </a:p>
         </p:txBody>
       </p:sp>
@@ -547,7 +624,7 @@
     </p:spTree>
     <p:extLst>
       <p:ext uri="{BB962C8B-B14F-4D97-AF65-F5344CB8AC3E}">
-        <p14:creationId xmlns:p14="http://schemas.microsoft.com/office/powerpoint/2010/main" val="1222424915"/>
+        <p14:creationId xmlns:p14="http://schemas.microsoft.com/office/powerpoint/2010/main" val="1536287103"/>
       </p:ext>
     </p:extLst>
   </p:cSld>
@@ -704,7 +781,7 @@
           <a:p>
             <a:fld id="{8DCE062E-7065-FD43-B375-C772CE5E8527}" type="datetimeFigureOut">
               <a:rPr lang="en-GB" smtClean="0"/>
-              <a:t>10/10/2023</a:t>
+              <a:t>14/11/2023</a:t>
             </a:fld>
             <a:endParaRPr lang="en-GB"/>
           </a:p>
@@ -902,7 +979,7 @@
           <a:p>
             <a:fld id="{8DCE062E-7065-FD43-B375-C772CE5E8527}" type="datetimeFigureOut">
               <a:rPr lang="en-GB" smtClean="0"/>
-              <a:t>10/10/2023</a:t>
+              <a:t>14/11/2023</a:t>
             </a:fld>
             <a:endParaRPr lang="en-GB"/>
           </a:p>
@@ -1110,7 +1187,7 @@
           <a:p>
             <a:fld id="{8DCE062E-7065-FD43-B375-C772CE5E8527}" type="datetimeFigureOut">
               <a:rPr lang="en-GB" smtClean="0"/>
-              <a:t>10/10/2023</a:t>
+              <a:t>14/11/2023</a:t>
             </a:fld>
             <a:endParaRPr lang="en-GB"/>
           </a:p>
@@ -1308,7 +1385,7 @@
           <a:p>
             <a:fld id="{8DCE062E-7065-FD43-B375-C772CE5E8527}" type="datetimeFigureOut">
               <a:rPr lang="en-GB" smtClean="0"/>
-              <a:t>10/10/2023</a:t>
+              <a:t>14/11/2023</a:t>
             </a:fld>
             <a:endParaRPr lang="en-GB"/>
           </a:p>
@@ -1583,7 +1660,7 @@
           <a:p>
             <a:fld id="{8DCE062E-7065-FD43-B375-C772CE5E8527}" type="datetimeFigureOut">
               <a:rPr lang="en-GB" smtClean="0"/>
-              <a:t>10/10/2023</a:t>
+              <a:t>14/11/2023</a:t>
             </a:fld>
             <a:endParaRPr lang="en-GB"/>
           </a:p>
@@ -1848,7 +1925,7 @@
           <a:p>
             <a:fld id="{8DCE062E-7065-FD43-B375-C772CE5E8527}" type="datetimeFigureOut">
               <a:rPr lang="en-GB" smtClean="0"/>
-              <a:t>10/10/2023</a:t>
+              <a:t>14/11/2023</a:t>
             </a:fld>
             <a:endParaRPr lang="en-GB"/>
           </a:p>
@@ -2260,7 +2337,7 @@
           <a:p>
             <a:fld id="{8DCE062E-7065-FD43-B375-C772CE5E8527}" type="datetimeFigureOut">
               <a:rPr lang="en-GB" smtClean="0"/>
-              <a:t>10/10/2023</a:t>
+              <a:t>14/11/2023</a:t>
             </a:fld>
             <a:endParaRPr lang="en-GB"/>
           </a:p>
@@ -2401,7 +2478,7 @@
           <a:p>
             <a:fld id="{8DCE062E-7065-FD43-B375-C772CE5E8527}" type="datetimeFigureOut">
               <a:rPr lang="en-GB" smtClean="0"/>
-              <a:t>10/10/2023</a:t>
+              <a:t>14/11/2023</a:t>
             </a:fld>
             <a:endParaRPr lang="en-GB"/>
           </a:p>
@@ -2514,7 +2591,7 @@
           <a:p>
             <a:fld id="{8DCE062E-7065-FD43-B375-C772CE5E8527}" type="datetimeFigureOut">
               <a:rPr lang="en-GB" smtClean="0"/>
-              <a:t>10/10/2023</a:t>
+              <a:t>14/11/2023</a:t>
             </a:fld>
             <a:endParaRPr lang="en-GB"/>
           </a:p>
@@ -2825,7 +2902,7 @@
           <a:p>
             <a:fld id="{8DCE062E-7065-FD43-B375-C772CE5E8527}" type="datetimeFigureOut">
               <a:rPr lang="en-GB" smtClean="0"/>
-              <a:t>10/10/2023</a:t>
+              <a:t>14/11/2023</a:t>
             </a:fld>
             <a:endParaRPr lang="en-GB"/>
           </a:p>
@@ -3113,7 +3190,7 @@
           <a:p>
             <a:fld id="{8DCE062E-7065-FD43-B375-C772CE5E8527}" type="datetimeFigureOut">
               <a:rPr lang="en-GB" smtClean="0"/>
-              <a:t>10/10/2023</a:t>
+              <a:t>14/11/2023</a:t>
             </a:fld>
             <a:endParaRPr lang="en-GB"/>
           </a:p>
@@ -3354,7 +3431,7 @@
           <a:p>
             <a:fld id="{8DCE062E-7065-FD43-B375-C772CE5E8527}" type="datetimeFigureOut">
               <a:rPr lang="en-GB" smtClean="0"/>
-              <a:t>10/10/2023</a:t>
+              <a:t>14/11/2023</a:t>
             </a:fld>
             <a:endParaRPr lang="en-GB"/>
           </a:p>
@@ -3773,51 +3850,6 @@
       </p:grpSpPr>
       <p:sp>
         <p:nvSpPr>
-          <p:cNvPr id="4" name="TextBox 3">
-            <a:extLst>
-              <a:ext uri="{FF2B5EF4-FFF2-40B4-BE49-F238E27FC236}">
-                <a16:creationId xmlns:a16="http://schemas.microsoft.com/office/drawing/2014/main" id="{DC62B304-6D2A-E241-B318-1DE00AD003B5}"/>
-              </a:ext>
-            </a:extLst>
-          </p:cNvPr>
-          <p:cNvSpPr txBox="1"/>
-          <p:nvPr/>
-        </p:nvSpPr>
-        <p:spPr>
-          <a:xfrm>
-            <a:off x="357348" y="4855454"/>
-            <a:ext cx="5323605" cy="783420"/>
-          </a:xfrm>
-          <a:prstGeom prst="rect">
-            <a:avLst/>
-          </a:prstGeom>
-          <a:noFill/>
-        </p:spPr>
-        <p:txBody>
-          <a:bodyPr wrap="square">
-            <a:spAutoFit/>
-          </a:bodyPr>
-          <a:lstStyle/>
-          <a:p>
-            <a:pPr>
-              <a:lnSpc>
-                <a:spcPct val="110000"/>
-              </a:lnSpc>
-            </a:pPr>
-            <a:r>
-              <a:rPr lang="en-GB" sz="1400" spc="70" dirty="0">
-                <a:effectLst/>
-                <a:latin typeface="Helvetica Neue" panose="02000503000000020004" pitchFamily="2" charset="0"/>
-                <a:ea typeface="Helvetica Neue" panose="02000503000000020004" pitchFamily="2" charset="0"/>
-                <a:cs typeface="Helvetica Neue" panose="02000503000000020004" pitchFamily="2" charset="0"/>
-              </a:rPr>
-              <a:t>Develop a sketch-to-sound model that allows musicians to create their own associations between sound and shape.</a:t>
-            </a:r>
-          </a:p>
-        </p:txBody>
-      </p:sp>
-      <p:sp>
-        <p:nvSpPr>
           <p:cNvPr id="5" name="TextBox 4">
             <a:extLst>
               <a:ext uri="{FF2B5EF4-FFF2-40B4-BE49-F238E27FC236}">
@@ -3850,7 +3882,7 @@
                 <a:ea typeface="Helvetica Neue" panose="02000503000000020004" pitchFamily="2" charset="0"/>
                 <a:cs typeface="Helvetica Neue" panose="02000503000000020004" pitchFamily="2" charset="0"/>
               </a:rPr>
-              <a:t>Proposed Project</a:t>
+              <a:t>Progress Update</a:t>
             </a:r>
           </a:p>
         </p:txBody>
@@ -3930,7 +3962,7 @@
                 <a:ea typeface="Helvetica Neue" panose="02000503000000020004" pitchFamily="2" charset="0"/>
                 <a:cs typeface="Helvetica Neue" panose="02000503000000020004" pitchFamily="2" charset="0"/>
               </a:rPr>
-              <a:t>Project Objective</a:t>
+              <a:t>Project Timeline</a:t>
             </a:r>
             <a:endParaRPr lang="en-GB" sz="1400" dirty="0">
               <a:effectLst/>
@@ -4037,7 +4069,7 @@
         </p:nvCxnSpPr>
         <p:spPr>
           <a:xfrm>
-            <a:off x="441433" y="5952116"/>
+            <a:off x="441433" y="6216671"/>
             <a:ext cx="11172497" cy="0"/>
           </a:xfrm>
           <a:prstGeom prst="line">
@@ -4078,7 +4110,7 @@
         </p:nvSpPr>
         <p:spPr>
           <a:xfrm>
-            <a:off x="6290325" y="6007799"/>
+            <a:off x="6290325" y="6272354"/>
             <a:ext cx="5323605" cy="309444"/>
           </a:xfrm>
           <a:prstGeom prst="rect">
@@ -4118,6 +4150,452 @@
           </a:p>
         </p:txBody>
       </p:sp>
+      <p:graphicFrame>
+        <p:nvGraphicFramePr>
+          <p:cNvPr id="2" name="Table 2">
+            <a:extLst>
+              <a:ext uri="{FF2B5EF4-FFF2-40B4-BE49-F238E27FC236}">
+                <a16:creationId xmlns:a16="http://schemas.microsoft.com/office/drawing/2014/main" id="{C1008BAA-E183-CB47-9195-CFB0FAD560D6}"/>
+              </a:ext>
+            </a:extLst>
+          </p:cNvPr>
+          <p:cNvGraphicFramePr>
+            <a:graphicFrameLocks noGrp="1"/>
+          </p:cNvGraphicFramePr>
+          <p:nvPr>
+            <p:extLst>
+              <p:ext uri="{D42A27DB-BD31-4B8C-83A1-F6EECF244321}">
+                <p14:modId xmlns:p14="http://schemas.microsoft.com/office/powerpoint/2010/main" val="3081311874"/>
+              </p:ext>
+            </p:extLst>
+          </p:nvPr>
+        </p:nvGraphicFramePr>
+        <p:xfrm>
+          <a:off x="441433" y="4585263"/>
+          <a:ext cx="7517115" cy="1295400"/>
+        </p:xfrm>
+        <a:graphic>
+          <a:graphicData uri="http://schemas.openxmlformats.org/drawingml/2006/table">
+            <a:tbl>
+              <a:tblPr>
+                <a:tableStyleId>{5C22544A-7EE6-4342-B048-85BDC9FD1C3A}</a:tableStyleId>
+              </a:tblPr>
+              <a:tblGrid>
+                <a:gridCol w="1556622">
+                  <a:extLst>
+                    <a:ext uri="{9D8B030D-6E8A-4147-A177-3AD203B41FA5}">
+                      <a16:colId xmlns:a16="http://schemas.microsoft.com/office/drawing/2014/main" val="1682074366"/>
+                    </a:ext>
+                  </a:extLst>
+                </a:gridCol>
+                <a:gridCol w="1685549">
+                  <a:extLst>
+                    <a:ext uri="{9D8B030D-6E8A-4147-A177-3AD203B41FA5}">
+                      <a16:colId xmlns:a16="http://schemas.microsoft.com/office/drawing/2014/main" val="965283447"/>
+                    </a:ext>
+                  </a:extLst>
+                </a:gridCol>
+                <a:gridCol w="2247399">
+                  <a:extLst>
+                    <a:ext uri="{9D8B030D-6E8A-4147-A177-3AD203B41FA5}">
+                      <a16:colId xmlns:a16="http://schemas.microsoft.com/office/drawing/2014/main" val="3946170435"/>
+                    </a:ext>
+                  </a:extLst>
+                </a:gridCol>
+                <a:gridCol w="2027545">
+                  <a:extLst>
+                    <a:ext uri="{9D8B030D-6E8A-4147-A177-3AD203B41FA5}">
+                      <a16:colId xmlns:a16="http://schemas.microsoft.com/office/drawing/2014/main" val="1043670055"/>
+                    </a:ext>
+                  </a:extLst>
+                </a:gridCol>
+              </a:tblGrid>
+              <a:tr h="0">
+                <a:tc gridSpan="2">
+                  <a:txBody>
+                    <a:bodyPr/>
+                    <a:lstStyle/>
+                    <a:p>
+                      <a:r>
+                        <a:rPr lang="en-GB" sz="1100" dirty="0">
+                          <a:latin typeface="Helvetica Neue" panose="02000503000000020004" pitchFamily="2" charset="0"/>
+                          <a:ea typeface="Helvetica Neue" panose="02000503000000020004" pitchFamily="2" charset="0"/>
+                          <a:cs typeface="Helvetica Neue" panose="02000503000000020004" pitchFamily="2" charset="0"/>
+                        </a:rPr>
+                        <a:t>System implementation</a:t>
+                      </a:r>
+                    </a:p>
+                  </a:txBody>
+                  <a:tcPr>
+                    <a:solidFill>
+                      <a:schemeClr val="tx2">
+                        <a:lumMod val="40000"/>
+                        <a:lumOff val="60000"/>
+                      </a:schemeClr>
+                    </a:solidFill>
+                  </a:tcPr>
+                </a:tc>
+                <a:tc hMerge="1">
+                  <a:txBody>
+                    <a:bodyPr/>
+                    <a:lstStyle/>
+                    <a:p>
+                      <a:endParaRPr lang="en-GB" sz="1100" dirty="0">
+                        <a:latin typeface="Helvetica Neue" panose="02000503000000020004" pitchFamily="2" charset="0"/>
+                        <a:ea typeface="Helvetica Neue" panose="02000503000000020004" pitchFamily="2" charset="0"/>
+                        <a:cs typeface="Helvetica Neue" panose="02000503000000020004" pitchFamily="2" charset="0"/>
+                      </a:endParaRPr>
+                    </a:p>
+                  </a:txBody>
+                  <a:tcPr/>
+                </a:tc>
+                <a:tc>
+                  <a:txBody>
+                    <a:bodyPr/>
+                    <a:lstStyle/>
+                    <a:p>
+                      <a:endParaRPr lang="en-GB" sz="1100" dirty="0">
+                        <a:latin typeface="Helvetica Neue" panose="02000503000000020004" pitchFamily="2" charset="0"/>
+                        <a:ea typeface="Helvetica Neue" panose="02000503000000020004" pitchFamily="2" charset="0"/>
+                        <a:cs typeface="Helvetica Neue" panose="02000503000000020004" pitchFamily="2" charset="0"/>
+                      </a:endParaRPr>
+                    </a:p>
+                  </a:txBody>
+                  <a:tcPr/>
+                </a:tc>
+                <a:tc>
+                  <a:txBody>
+                    <a:bodyPr/>
+                    <a:lstStyle/>
+                    <a:p>
+                      <a:endParaRPr lang="en-GB" sz="1100">
+                        <a:latin typeface="Helvetica Neue" panose="02000503000000020004" pitchFamily="2" charset="0"/>
+                        <a:ea typeface="Helvetica Neue" panose="02000503000000020004" pitchFamily="2" charset="0"/>
+                        <a:cs typeface="Helvetica Neue" panose="02000503000000020004" pitchFamily="2" charset="0"/>
+                      </a:endParaRPr>
+                    </a:p>
+                  </a:txBody>
+                  <a:tcPr/>
+                </a:tc>
+                <a:extLst>
+                  <a:ext uri="{0D108BD9-81ED-4DB2-BD59-A6C34878D82A}">
+                    <a16:rowId xmlns:a16="http://schemas.microsoft.com/office/drawing/2014/main" val="2108565909"/>
+                  </a:ext>
+                </a:extLst>
+              </a:tr>
+              <a:tr h="226209">
+                <a:tc>
+                  <a:txBody>
+                    <a:bodyPr/>
+                    <a:lstStyle/>
+                    <a:p>
+                      <a:endParaRPr lang="en-GB" sz="1100" dirty="0">
+                        <a:latin typeface="Helvetica Neue" panose="02000503000000020004" pitchFamily="2" charset="0"/>
+                        <a:ea typeface="Helvetica Neue" panose="02000503000000020004" pitchFamily="2" charset="0"/>
+                        <a:cs typeface="Helvetica Neue" panose="02000503000000020004" pitchFamily="2" charset="0"/>
+                      </a:endParaRPr>
+                    </a:p>
+                  </a:txBody>
+                  <a:tcPr/>
+                </a:tc>
+                <a:tc>
+                  <a:txBody>
+                    <a:bodyPr/>
+                    <a:lstStyle/>
+                    <a:p>
+                      <a:pPr marL="0" marR="0" lvl="0" indent="0" algn="l" defTabSz="914400" rtl="0" eaLnBrk="1" fontAlgn="auto" latinLnBrk="0" hangingPunct="1">
+                        <a:lnSpc>
+                          <a:spcPct val="100000"/>
+                        </a:lnSpc>
+                        <a:spcBef>
+                          <a:spcPts val="0"/>
+                        </a:spcBef>
+                        <a:spcAft>
+                          <a:spcPts val="0"/>
+                        </a:spcAft>
+                        <a:buClrTx/>
+                        <a:buSzTx/>
+                        <a:buFontTx/>
+                        <a:buNone/>
+                        <a:tabLst/>
+                        <a:defRPr/>
+                      </a:pPr>
+                      <a:r>
+                        <a:rPr lang="en-GB" sz="1100" dirty="0">
+                          <a:latin typeface="Helvetica Neue" panose="02000503000000020004" pitchFamily="2" charset="0"/>
+                          <a:ea typeface="Helvetica Neue" panose="02000503000000020004" pitchFamily="2" charset="0"/>
+                          <a:cs typeface="Helvetica Neue" panose="02000503000000020004" pitchFamily="2" charset="0"/>
+                        </a:rPr>
+                        <a:t>Physical housing</a:t>
+                      </a:r>
+                    </a:p>
+                  </a:txBody>
+                  <a:tcPr>
+                    <a:solidFill>
+                      <a:schemeClr val="tx2">
+                        <a:lumMod val="40000"/>
+                        <a:lumOff val="60000"/>
+                      </a:schemeClr>
+                    </a:solidFill>
+                  </a:tcPr>
+                </a:tc>
+                <a:tc>
+                  <a:txBody>
+                    <a:bodyPr/>
+                    <a:lstStyle/>
+                    <a:p>
+                      <a:endParaRPr lang="en-GB" sz="1100">
+                        <a:latin typeface="Helvetica Neue" panose="02000503000000020004" pitchFamily="2" charset="0"/>
+                        <a:ea typeface="Helvetica Neue" panose="02000503000000020004" pitchFamily="2" charset="0"/>
+                        <a:cs typeface="Helvetica Neue" panose="02000503000000020004" pitchFamily="2" charset="0"/>
+                      </a:endParaRPr>
+                    </a:p>
+                  </a:txBody>
+                  <a:tcPr/>
+                </a:tc>
+                <a:tc>
+                  <a:txBody>
+                    <a:bodyPr/>
+                    <a:lstStyle/>
+                    <a:p>
+                      <a:endParaRPr lang="en-GB" sz="1100">
+                        <a:latin typeface="Helvetica Neue" panose="02000503000000020004" pitchFamily="2" charset="0"/>
+                        <a:ea typeface="Helvetica Neue" panose="02000503000000020004" pitchFamily="2" charset="0"/>
+                        <a:cs typeface="Helvetica Neue" panose="02000503000000020004" pitchFamily="2" charset="0"/>
+                      </a:endParaRPr>
+                    </a:p>
+                  </a:txBody>
+                  <a:tcPr/>
+                </a:tc>
+                <a:extLst>
+                  <a:ext uri="{0D108BD9-81ED-4DB2-BD59-A6C34878D82A}">
+                    <a16:rowId xmlns:a16="http://schemas.microsoft.com/office/drawing/2014/main" val="1800165809"/>
+                  </a:ext>
+                </a:extLst>
+              </a:tr>
+              <a:tr h="226209">
+                <a:tc>
+                  <a:txBody>
+                    <a:bodyPr/>
+                    <a:lstStyle/>
+                    <a:p>
+                      <a:endParaRPr lang="en-GB" sz="1100">
+                        <a:latin typeface="Helvetica Neue" panose="02000503000000020004" pitchFamily="2" charset="0"/>
+                        <a:ea typeface="Helvetica Neue" panose="02000503000000020004" pitchFamily="2" charset="0"/>
+                        <a:cs typeface="Helvetica Neue" panose="02000503000000020004" pitchFamily="2" charset="0"/>
+                      </a:endParaRPr>
+                    </a:p>
+                  </a:txBody>
+                  <a:tcPr/>
+                </a:tc>
+                <a:tc>
+                  <a:txBody>
+                    <a:bodyPr/>
+                    <a:lstStyle/>
+                    <a:p>
+                      <a:endParaRPr lang="en-GB" sz="1100">
+                        <a:latin typeface="Helvetica Neue" panose="02000503000000020004" pitchFamily="2" charset="0"/>
+                        <a:ea typeface="Helvetica Neue" panose="02000503000000020004" pitchFamily="2" charset="0"/>
+                        <a:cs typeface="Helvetica Neue" panose="02000503000000020004" pitchFamily="2" charset="0"/>
+                      </a:endParaRPr>
+                    </a:p>
+                  </a:txBody>
+                  <a:tcPr/>
+                </a:tc>
+                <a:tc>
+                  <a:txBody>
+                    <a:bodyPr/>
+                    <a:lstStyle/>
+                    <a:p>
+                      <a:r>
+                        <a:rPr lang="en-GB" sz="1100" dirty="0">
+                          <a:latin typeface="Helvetica Neue" panose="02000503000000020004" pitchFamily="2" charset="0"/>
+                          <a:ea typeface="Helvetica Neue" panose="02000503000000020004" pitchFamily="2" charset="0"/>
+                          <a:cs typeface="Helvetica Neue" panose="02000503000000020004" pitchFamily="2" charset="0"/>
+                        </a:rPr>
+                        <a:t>Sound synthesis program</a:t>
+                      </a:r>
+                    </a:p>
+                  </a:txBody>
+                  <a:tcPr>
+                    <a:solidFill>
+                      <a:schemeClr val="tx2">
+                        <a:lumMod val="40000"/>
+                        <a:lumOff val="60000"/>
+                      </a:schemeClr>
+                    </a:solidFill>
+                  </a:tcPr>
+                </a:tc>
+                <a:tc>
+                  <a:txBody>
+                    <a:bodyPr/>
+                    <a:lstStyle/>
+                    <a:p>
+                      <a:endParaRPr lang="en-GB" sz="1100">
+                        <a:latin typeface="Helvetica Neue" panose="02000503000000020004" pitchFamily="2" charset="0"/>
+                        <a:ea typeface="Helvetica Neue" panose="02000503000000020004" pitchFamily="2" charset="0"/>
+                        <a:cs typeface="Helvetica Neue" panose="02000503000000020004" pitchFamily="2" charset="0"/>
+                      </a:endParaRPr>
+                    </a:p>
+                  </a:txBody>
+                  <a:tcPr/>
+                </a:tc>
+                <a:extLst>
+                  <a:ext uri="{0D108BD9-81ED-4DB2-BD59-A6C34878D82A}">
+                    <a16:rowId xmlns:a16="http://schemas.microsoft.com/office/drawing/2014/main" val="3720845185"/>
+                  </a:ext>
+                </a:extLst>
+              </a:tr>
+              <a:tr h="226209">
+                <a:tc>
+                  <a:txBody>
+                    <a:bodyPr/>
+                    <a:lstStyle/>
+                    <a:p>
+                      <a:endParaRPr lang="en-GB" sz="1100">
+                        <a:latin typeface="Helvetica Neue" panose="02000503000000020004" pitchFamily="2" charset="0"/>
+                        <a:ea typeface="Helvetica Neue" panose="02000503000000020004" pitchFamily="2" charset="0"/>
+                        <a:cs typeface="Helvetica Neue" panose="02000503000000020004" pitchFamily="2" charset="0"/>
+                      </a:endParaRPr>
+                    </a:p>
+                  </a:txBody>
+                  <a:tcPr/>
+                </a:tc>
+                <a:tc>
+                  <a:txBody>
+                    <a:bodyPr/>
+                    <a:lstStyle/>
+                    <a:p>
+                      <a:endParaRPr lang="en-GB" sz="1100">
+                        <a:latin typeface="Helvetica Neue" panose="02000503000000020004" pitchFamily="2" charset="0"/>
+                        <a:ea typeface="Helvetica Neue" panose="02000503000000020004" pitchFamily="2" charset="0"/>
+                        <a:cs typeface="Helvetica Neue" panose="02000503000000020004" pitchFamily="2" charset="0"/>
+                      </a:endParaRPr>
+                    </a:p>
+                  </a:txBody>
+                  <a:tcPr/>
+                </a:tc>
+                <a:tc>
+                  <a:txBody>
+                    <a:bodyPr/>
+                    <a:lstStyle/>
+                    <a:p>
+                      <a:endParaRPr lang="en-GB" sz="1100">
+                        <a:latin typeface="Helvetica Neue" panose="02000503000000020004" pitchFamily="2" charset="0"/>
+                        <a:ea typeface="Helvetica Neue" panose="02000503000000020004" pitchFamily="2" charset="0"/>
+                        <a:cs typeface="Helvetica Neue" panose="02000503000000020004" pitchFamily="2" charset="0"/>
+                      </a:endParaRPr>
+                    </a:p>
+                  </a:txBody>
+                  <a:tcPr/>
+                </a:tc>
+                <a:tc>
+                  <a:txBody>
+                    <a:bodyPr/>
+                    <a:lstStyle/>
+                    <a:p>
+                      <a:r>
+                        <a:rPr lang="en-GB" sz="1100" dirty="0">
+                          <a:latin typeface="Helvetica Neue" panose="02000503000000020004" pitchFamily="2" charset="0"/>
+                          <a:ea typeface="Helvetica Neue" panose="02000503000000020004" pitchFamily="2" charset="0"/>
+                          <a:cs typeface="Helvetica Neue" panose="02000503000000020004" pitchFamily="2" charset="0"/>
+                        </a:rPr>
+                        <a:t>practice for performance</a:t>
+                      </a:r>
+                    </a:p>
+                  </a:txBody>
+                  <a:tcPr>
+                    <a:solidFill>
+                      <a:schemeClr val="tx2">
+                        <a:lumMod val="40000"/>
+                        <a:lumOff val="60000"/>
+                      </a:schemeClr>
+                    </a:solidFill>
+                  </a:tcPr>
+                </a:tc>
+                <a:extLst>
+                  <a:ext uri="{0D108BD9-81ED-4DB2-BD59-A6C34878D82A}">
+                    <a16:rowId xmlns:a16="http://schemas.microsoft.com/office/drawing/2014/main" val="431697972"/>
+                  </a:ext>
+                </a:extLst>
+              </a:tr>
+              <a:tr h="226209">
+                <a:tc>
+                  <a:txBody>
+                    <a:bodyPr/>
+                    <a:lstStyle/>
+                    <a:p>
+                      <a:endParaRPr lang="en-GB" sz="1100">
+                        <a:latin typeface="Helvetica Neue" panose="02000503000000020004" pitchFamily="2" charset="0"/>
+                        <a:ea typeface="Helvetica Neue" panose="02000503000000020004" pitchFamily="2" charset="0"/>
+                        <a:cs typeface="Helvetica Neue" panose="02000503000000020004" pitchFamily="2" charset="0"/>
+                      </a:endParaRPr>
+                    </a:p>
+                  </a:txBody>
+                  <a:tcPr/>
+                </a:tc>
+                <a:tc>
+                  <a:txBody>
+                    <a:bodyPr/>
+                    <a:lstStyle/>
+                    <a:p>
+                      <a:endParaRPr lang="en-GB" sz="1100">
+                        <a:latin typeface="Helvetica Neue" panose="02000503000000020004" pitchFamily="2" charset="0"/>
+                        <a:ea typeface="Helvetica Neue" panose="02000503000000020004" pitchFamily="2" charset="0"/>
+                        <a:cs typeface="Helvetica Neue" panose="02000503000000020004" pitchFamily="2" charset="0"/>
+                      </a:endParaRPr>
+                    </a:p>
+                  </a:txBody>
+                  <a:tcPr/>
+                </a:tc>
+                <a:tc>
+                  <a:txBody>
+                    <a:bodyPr/>
+                    <a:lstStyle/>
+                    <a:p>
+                      <a:endParaRPr lang="en-GB" sz="1100">
+                        <a:latin typeface="Helvetica Neue" panose="02000503000000020004" pitchFamily="2" charset="0"/>
+                        <a:ea typeface="Helvetica Neue" panose="02000503000000020004" pitchFamily="2" charset="0"/>
+                        <a:cs typeface="Helvetica Neue" panose="02000503000000020004" pitchFamily="2" charset="0"/>
+                      </a:endParaRPr>
+                    </a:p>
+                  </a:txBody>
+                  <a:tcPr/>
+                </a:tc>
+                <a:tc>
+                  <a:txBody>
+                    <a:bodyPr/>
+                    <a:lstStyle/>
+                    <a:p>
+                      <a:r>
+                        <a:rPr lang="en-GB" sz="1100" dirty="0">
+                          <a:latin typeface="Helvetica Neue" panose="02000503000000020004" pitchFamily="2" charset="0"/>
+                          <a:ea typeface="Helvetica Neue" panose="02000503000000020004" pitchFamily="2" charset="0"/>
+                          <a:cs typeface="Helvetica Neue" panose="02000503000000020004" pitchFamily="2" charset="0"/>
+                        </a:rPr>
+                        <a:t>visualisation</a:t>
+                      </a:r>
+                    </a:p>
+                  </a:txBody>
+                  <a:tcPr>
+                    <a:solidFill>
+                      <a:schemeClr val="tx2">
+                        <a:lumMod val="40000"/>
+                        <a:lumOff val="60000"/>
+                      </a:schemeClr>
+                    </a:solidFill>
+                  </a:tcPr>
+                </a:tc>
+                <a:extLst>
+                  <a:ext uri="{0D108BD9-81ED-4DB2-BD59-A6C34878D82A}">
+                    <a16:rowId xmlns:a16="http://schemas.microsoft.com/office/drawing/2014/main" val="3813296827"/>
+                  </a:ext>
+                </a:extLst>
+              </a:tr>
+            </a:tbl>
+          </a:graphicData>
+        </a:graphic>
+      </p:graphicFrame>
     </p:spTree>
     <p:extLst>
       <p:ext uri="{BB962C8B-B14F-4D97-AF65-F5344CB8AC3E}">
@@ -4150,51 +4628,6 @@
       </p:grpSpPr>
       <p:sp>
         <p:nvSpPr>
-          <p:cNvPr id="4" name="TextBox 3">
-            <a:extLst>
-              <a:ext uri="{FF2B5EF4-FFF2-40B4-BE49-F238E27FC236}">
-                <a16:creationId xmlns:a16="http://schemas.microsoft.com/office/drawing/2014/main" id="{DC62B304-6D2A-E241-B318-1DE00AD003B5}"/>
-              </a:ext>
-            </a:extLst>
-          </p:cNvPr>
-          <p:cNvSpPr txBox="1"/>
-          <p:nvPr/>
-        </p:nvSpPr>
-        <p:spPr>
-          <a:xfrm>
-            <a:off x="357347" y="1256236"/>
-            <a:ext cx="6345010" cy="546432"/>
-          </a:xfrm>
-          <a:prstGeom prst="rect">
-            <a:avLst/>
-          </a:prstGeom>
-          <a:noFill/>
-        </p:spPr>
-        <p:txBody>
-          <a:bodyPr wrap="square">
-            <a:spAutoFit/>
-          </a:bodyPr>
-          <a:lstStyle/>
-          <a:p>
-            <a:pPr>
-              <a:lnSpc>
-                <a:spcPct val="110000"/>
-              </a:lnSpc>
-            </a:pPr>
-            <a:r>
-              <a:rPr lang="en-GB" sz="1400" spc="70" dirty="0">
-                <a:effectLst/>
-                <a:latin typeface="Helvetica Neue" panose="02000503000000020004" pitchFamily="2" charset="0"/>
-                <a:ea typeface="Helvetica Neue" panose="02000503000000020004" pitchFamily="2" charset="0"/>
-                <a:cs typeface="Helvetica Neue" panose="02000503000000020004" pitchFamily="2" charset="0"/>
-              </a:rPr>
-              <a:t>Most sketch-to-sound mappings use supervised learning models trained on labelled datasets.</a:t>
-            </a:r>
-          </a:p>
-        </p:txBody>
-      </p:sp>
-      <p:sp>
-        <p:nvSpPr>
           <p:cNvPr id="5" name="TextBox 4">
             <a:extLst>
               <a:ext uri="{FF2B5EF4-FFF2-40B4-BE49-F238E27FC236}">
@@ -4227,7 +4660,7 @@
                 <a:ea typeface="Helvetica Neue" panose="02000503000000020004" pitchFamily="2" charset="0"/>
                 <a:cs typeface="Helvetica Neue" panose="02000503000000020004" pitchFamily="2" charset="0"/>
               </a:rPr>
-              <a:t>Related Works</a:t>
+              <a:t>System Specification</a:t>
             </a:r>
           </a:p>
         </p:txBody>
@@ -4316,10 +4749,10 @@
       </p:cxnSp>
       <p:sp>
         <p:nvSpPr>
-          <p:cNvPr id="13" name="TextBox 12">
-            <a:extLst>
-              <a:ext uri="{FF2B5EF4-FFF2-40B4-BE49-F238E27FC236}">
-                <a16:creationId xmlns:a16="http://schemas.microsoft.com/office/drawing/2014/main" id="{A7A1D0D9-95E7-B349-81B5-329DBC180CE1}"/>
+          <p:cNvPr id="14" name="TextBox 13">
+            <a:extLst>
+              <a:ext uri="{FF2B5EF4-FFF2-40B4-BE49-F238E27FC236}">
+                <a16:creationId xmlns:a16="http://schemas.microsoft.com/office/drawing/2014/main" id="{CE0232EE-4E46-B642-92EB-3038AF95B8B5}"/>
               </a:ext>
             </a:extLst>
           </p:cNvPr>
@@ -4328,8 +4761,8 @@
         </p:nvSpPr>
         <p:spPr>
           <a:xfrm>
-            <a:off x="357347" y="4503898"/>
-            <a:ext cx="4195198" cy="783420"/>
+            <a:off x="441434" y="4353429"/>
+            <a:ext cx="10490630" cy="1565172"/>
           </a:xfrm>
           <a:prstGeom prst="rect">
             <a:avLst/>
@@ -4341,97 +4774,6 @@
             <a:spAutoFit/>
           </a:bodyPr>
           <a:lstStyle/>
-          <a:p>
-            <a:pPr>
-              <a:lnSpc>
-                <a:spcPct val="110000"/>
-              </a:lnSpc>
-            </a:pPr>
-            <a:r>
-              <a:rPr lang="en-GB" sz="1400" b="1" spc="70" dirty="0">
-                <a:effectLst/>
-                <a:latin typeface="Helvetica Neue" panose="02000503000000020004" pitchFamily="2" charset="0"/>
-                <a:ea typeface="Helvetica Neue" panose="02000503000000020004" pitchFamily="2" charset="0"/>
-                <a:cs typeface="Helvetica Neue" panose="02000503000000020004" pitchFamily="2" charset="0"/>
-              </a:rPr>
-              <a:t>Knees and Andersen (2016) </a:t>
-            </a:r>
-            <a:r>
-              <a:rPr lang="en-GB" sz="1400" spc="70" dirty="0">
-                <a:effectLst/>
-                <a:latin typeface="Helvetica Neue" panose="02000503000000020004" pitchFamily="2" charset="0"/>
-                <a:ea typeface="Helvetica Neue" panose="02000503000000020004" pitchFamily="2" charset="0"/>
-                <a:cs typeface="Helvetica Neue" panose="02000503000000020004" pitchFamily="2" charset="0"/>
-              </a:rPr>
-              <a:t>propose associating sounds and their graphical representations.</a:t>
-            </a:r>
-          </a:p>
-        </p:txBody>
-      </p:sp>
-      <p:sp>
-        <p:nvSpPr>
-          <p:cNvPr id="14" name="TextBox 13">
-            <a:extLst>
-              <a:ext uri="{FF2B5EF4-FFF2-40B4-BE49-F238E27FC236}">
-                <a16:creationId xmlns:a16="http://schemas.microsoft.com/office/drawing/2014/main" id="{CE0232EE-4E46-B642-92EB-3038AF95B8B5}"/>
-              </a:ext>
-            </a:extLst>
-          </p:cNvPr>
-          <p:cNvSpPr txBox="1"/>
-          <p:nvPr/>
-        </p:nvSpPr>
-        <p:spPr>
-          <a:xfrm>
-            <a:off x="5306900" y="4503898"/>
-            <a:ext cx="5625163" cy="1648272"/>
-          </a:xfrm>
-          <a:prstGeom prst="rect">
-            <a:avLst/>
-          </a:prstGeom>
-          <a:noFill/>
-        </p:spPr>
-        <p:txBody>
-          <a:bodyPr wrap="square">
-            <a:spAutoFit/>
-          </a:bodyPr>
-          <a:lstStyle/>
-          <a:p>
-            <a:pPr>
-              <a:lnSpc>
-                <a:spcPct val="110000"/>
-              </a:lnSpc>
-              <a:spcAft>
-                <a:spcPts val="600"/>
-              </a:spcAft>
-            </a:pPr>
-            <a:r>
-              <a:rPr lang="en-GB" sz="1400" b="1" spc="70" dirty="0" err="1">
-                <a:effectLst/>
-                <a:latin typeface="Helvetica Neue" panose="02000503000000020004" pitchFamily="2" charset="0"/>
-                <a:ea typeface="Helvetica Neue" panose="02000503000000020004" pitchFamily="2" charset="0"/>
-                <a:cs typeface="Helvetica Neue" panose="02000503000000020004" pitchFamily="2" charset="0"/>
-              </a:rPr>
-              <a:t>Löbbers</a:t>
-            </a:r>
-            <a:r>
-              <a:rPr lang="en-GB" sz="1400" b="1" spc="70" dirty="0">
-                <a:effectLst/>
-                <a:latin typeface="Helvetica Neue" panose="02000503000000020004" pitchFamily="2" charset="0"/>
-                <a:ea typeface="Helvetica Neue" panose="02000503000000020004" pitchFamily="2" charset="0"/>
-                <a:cs typeface="Helvetica Neue" panose="02000503000000020004" pitchFamily="2" charset="0"/>
-              </a:rPr>
-              <a:t> et al.'s (2023) </a:t>
-            </a:r>
-            <a:r>
-              <a:rPr lang="en-GB" sz="1400" spc="70" dirty="0">
-                <a:effectLst/>
-                <a:latin typeface="Helvetica Neue" panose="02000503000000020004" pitchFamily="2" charset="0"/>
-                <a:ea typeface="Helvetica Neue" panose="02000503000000020004" pitchFamily="2" charset="0"/>
-                <a:cs typeface="Helvetica Neue" panose="02000503000000020004" pitchFamily="2" charset="0"/>
-              </a:rPr>
-              <a:t>work uses </a:t>
-            </a:r>
-          </a:p>
           <a:p>
             <a:pPr marL="342900" indent="-342900">
               <a:lnSpc>
@@ -4449,25 +4791,7 @@
                 <a:ea typeface="Helvetica Neue" panose="02000503000000020004" pitchFamily="2" charset="0"/>
                 <a:cs typeface="Helvetica Neue" panose="02000503000000020004" pitchFamily="2" charset="0"/>
               </a:rPr>
-              <a:t>classification models that predict characters (e.g. calm or noisy) of a sketch (</a:t>
-            </a:r>
-            <a:r>
-              <a:rPr lang="en-GB" sz="1400" spc="70" dirty="0" err="1">
-                <a:effectLst/>
-                <a:latin typeface="Helvetica Neue" panose="02000503000000020004" pitchFamily="2" charset="0"/>
-                <a:ea typeface="Helvetica Neue" panose="02000503000000020004" pitchFamily="2" charset="0"/>
-                <a:cs typeface="Helvetica Neue" panose="02000503000000020004" pitchFamily="2" charset="0"/>
-              </a:rPr>
-              <a:t>Löbbers</a:t>
-            </a:r>
-            <a:r>
-              <a:rPr lang="en-GB" sz="1400" spc="70" dirty="0">
-                <a:effectLst/>
-                <a:latin typeface="Helvetica Neue" panose="02000503000000020004" pitchFamily="2" charset="0"/>
-                <a:ea typeface="Helvetica Neue" panose="02000503000000020004" pitchFamily="2" charset="0"/>
-                <a:cs typeface="Helvetica Neue" panose="02000503000000020004" pitchFamily="2" charset="0"/>
-              </a:rPr>
-              <a:t>, et al., 2021), </a:t>
+              <a:t>Arduino sensors </a:t>
             </a:r>
           </a:p>
           <a:p>
@@ -4487,17 +4811,90 @@
                 <a:ea typeface="Helvetica Neue" panose="02000503000000020004" pitchFamily="2" charset="0"/>
                 <a:cs typeface="Helvetica Neue" panose="02000503000000020004" pitchFamily="2" charset="0"/>
               </a:rPr>
-              <a:t>a mapping model that selects suitable sounds from a synthesis dataset annotated with a few semantic factors (e.g. sharpness and clarity) (Hayes et al., 2020). </a:t>
-            </a:r>
+              <a:t>A Python program to collect sensor data to graphic, and run the VAE’s decoder</a:t>
+            </a:r>
+          </a:p>
+          <a:p>
+            <a:pPr marL="342900" indent="-342900">
+              <a:lnSpc>
+                <a:spcPct val="110000"/>
+              </a:lnSpc>
+              <a:spcAft>
+                <a:spcPts val="600"/>
+              </a:spcAft>
+              <a:buAutoNum type="arabicParenBoth"/>
+            </a:pPr>
+            <a:r>
+              <a:rPr lang="en-GB" sz="1400" spc="70" dirty="0">
+                <a:latin typeface="Helvetica Neue" panose="02000503000000020004" pitchFamily="2" charset="0"/>
+                <a:ea typeface="Helvetica Neue" panose="02000503000000020004" pitchFamily="2" charset="0"/>
+                <a:cs typeface="Helvetica Neue" panose="02000503000000020004" pitchFamily="2" charset="0"/>
+              </a:rPr>
+              <a:t>A localhost webpage displaying the sketch + some visualisation</a:t>
+            </a:r>
+          </a:p>
+          <a:p>
+            <a:pPr marL="342900" indent="-342900">
+              <a:lnSpc>
+                <a:spcPct val="110000"/>
+              </a:lnSpc>
+              <a:spcAft>
+                <a:spcPts val="600"/>
+              </a:spcAft>
+              <a:buAutoNum type="arabicParenBoth"/>
+            </a:pPr>
+            <a:r>
+              <a:rPr lang="en-GB" sz="1400" spc="70" dirty="0">
+                <a:effectLst/>
+                <a:latin typeface="Helvetica Neue" panose="02000503000000020004" pitchFamily="2" charset="0"/>
+                <a:ea typeface="Helvetica Neue" panose="02000503000000020004" pitchFamily="2" charset="0"/>
+                <a:cs typeface="Helvetica Neue" panose="02000503000000020004" pitchFamily="2" charset="0"/>
+              </a:rPr>
+              <a:t>A Max </a:t>
+            </a:r>
+            <a:r>
+              <a:rPr lang="en-GB" sz="1400" spc="70" dirty="0">
+                <a:latin typeface="Helvetica Neue" panose="02000503000000020004" pitchFamily="2" charset="0"/>
+                <a:ea typeface="Helvetica Neue" panose="02000503000000020004" pitchFamily="2" charset="0"/>
+                <a:cs typeface="Helvetica Neue" panose="02000503000000020004" pitchFamily="2" charset="0"/>
+              </a:rPr>
+              <a:t>p</a:t>
+            </a:r>
+            <a:r>
+              <a:rPr lang="en-GB" sz="1400" spc="70" dirty="0">
+                <a:effectLst/>
+                <a:latin typeface="Helvetica Neue" panose="02000503000000020004" pitchFamily="2" charset="0"/>
+                <a:ea typeface="Helvetica Neue" panose="02000503000000020004" pitchFamily="2" charset="0"/>
+                <a:cs typeface="Helvetica Neue" panose="02000503000000020004" pitchFamily="2" charset="0"/>
+              </a:rPr>
+              <a:t>atch that maps the latent vector to musical control, and runs the sound synthesis program</a:t>
+            </a:r>
+          </a:p>
+          <a:p>
+            <a:pPr marL="342900" indent="-342900">
+              <a:lnSpc>
+                <a:spcPct val="110000"/>
+              </a:lnSpc>
+              <a:spcAft>
+                <a:spcPts val="600"/>
+              </a:spcAft>
+              <a:buAutoNum type="arabicParenBoth"/>
+            </a:pPr>
+            <a:endParaRPr lang="en-GB" sz="1400" spc="70" dirty="0">
+              <a:effectLst/>
+              <a:latin typeface="Helvetica Neue" panose="02000503000000020004" pitchFamily="2" charset="0"/>
+              <a:ea typeface="Helvetica Neue" panose="02000503000000020004" pitchFamily="2" charset="0"/>
+              <a:cs typeface="Helvetica Neue" panose="02000503000000020004" pitchFamily="2" charset="0"/>
+            </a:endParaRPr>
           </a:p>
         </p:txBody>
       </p:sp>
       <p:pic>
         <p:nvPicPr>
-          <p:cNvPr id="17" name="Picture 16">
-            <a:extLst>
-              <a:ext uri="{FF2B5EF4-FFF2-40B4-BE49-F238E27FC236}">
-                <a16:creationId xmlns:a16="http://schemas.microsoft.com/office/drawing/2014/main" id="{7368D14F-CF00-B845-8687-AF705A3E0E2B}"/>
+          <p:cNvPr id="7" name="Picture 6">
+            <a:extLst>
+              <a:ext uri="{FF2B5EF4-FFF2-40B4-BE49-F238E27FC236}">
+                <a16:creationId xmlns:a16="http://schemas.microsoft.com/office/drawing/2014/main" id="{A604B02C-EB10-D94B-A96B-F550E73E9584}"/>
               </a:ext>
             </a:extLst>
           </p:cNvPr>
@@ -4507,84 +4904,80 @@
           <p:nvPr/>
         </p:nvPicPr>
         <p:blipFill>
-          <a:blip r:embed="rId2">
-            <a:extLst>
-              <a:ext uri="{BEBA8EAE-BF5A-486C-A8C5-ECC9F3942E4B}">
-                <a14:imgProps xmlns:a14="http://schemas.microsoft.com/office/drawing/2010/main">
-                  <a14:imgLayer r:embed="rId3">
-                    <a14:imgEffect>
-                      <a14:saturation sat="0"/>
-                    </a14:imgEffect>
-                  </a14:imgLayer>
-                </a14:imgProps>
-              </a:ext>
-            </a:extLst>
-          </a:blip>
+          <a:blip r:embed="rId3"/>
           <a:stretch>
             <a:fillRect/>
           </a:stretch>
         </p:blipFill>
         <p:spPr>
           <a:xfrm>
-            <a:off x="441433" y="2140888"/>
-            <a:ext cx="4445540" cy="2005278"/>
+            <a:off x="357350" y="1081045"/>
+            <a:ext cx="11074826" cy="2324868"/>
           </a:xfrm>
           <a:prstGeom prst="rect">
             <a:avLst/>
           </a:prstGeom>
         </p:spPr>
       </p:pic>
-      <p:pic>
-        <p:nvPicPr>
-          <p:cNvPr id="18" name="Picture 17">
-            <a:extLst>
-              <a:ext uri="{FF2B5EF4-FFF2-40B4-BE49-F238E27FC236}">
-                <a16:creationId xmlns:a16="http://schemas.microsoft.com/office/drawing/2014/main" id="{0EE29825-0B13-9F42-A059-DC10DCD09408}"/>
-              </a:ext>
-            </a:extLst>
-          </p:cNvPr>
-          <p:cNvPicPr>
-            <a:picLocks noChangeAspect="1"/>
-          </p:cNvPicPr>
+      <p:sp>
+        <p:nvSpPr>
+          <p:cNvPr id="16" name="TextBox 15">
+            <a:extLst>
+              <a:ext uri="{FF2B5EF4-FFF2-40B4-BE49-F238E27FC236}">
+                <a16:creationId xmlns:a16="http://schemas.microsoft.com/office/drawing/2014/main" id="{938490C6-B629-2F45-889C-1653E1EB8667}"/>
+              </a:ext>
+            </a:extLst>
+          </p:cNvPr>
+          <p:cNvSpPr txBox="1"/>
           <p:nvPr/>
-        </p:nvPicPr>
-        <p:blipFill>
-          <a:blip r:embed="rId4"/>
-          <a:stretch>
-            <a:fillRect/>
-          </a:stretch>
-        </p:blipFill>
+        </p:nvSpPr>
         <p:spPr>
           <a:xfrm>
-            <a:off x="5437797" y="2044573"/>
-            <a:ext cx="6148552" cy="2324868"/>
-          </a:xfrm>
-          <a:prstGeom prst="rect">
-            <a:avLst/>
-          </a:prstGeom>
-        </p:spPr>
-      </p:pic>
-      <p:sp>
-        <p:nvSpPr>
-          <p:cNvPr id="19" name="Rectangle 18">
-            <a:extLst>
-              <a:ext uri="{FF2B5EF4-FFF2-40B4-BE49-F238E27FC236}">
-                <a16:creationId xmlns:a16="http://schemas.microsoft.com/office/drawing/2014/main" id="{C5D64310-D071-D646-B735-27CD42D6FBD9}"/>
-              </a:ext>
-            </a:extLst>
-          </p:cNvPr>
-          <p:cNvSpPr/>
-          <p:nvPr/>
-        </p:nvSpPr>
-        <p:spPr>
-          <a:xfrm>
-            <a:off x="441433" y="2009540"/>
-            <a:ext cx="4548856" cy="2324868"/>
+            <a:off x="357350" y="3891038"/>
+            <a:ext cx="6148552" cy="307777"/>
           </a:xfrm>
           <a:prstGeom prst="rect">
             <a:avLst/>
           </a:prstGeom>
           <a:noFill/>
+        </p:spPr>
+        <p:txBody>
+          <a:bodyPr wrap="square" rtlCol="0">
+            <a:spAutoFit/>
+          </a:bodyPr>
+          <a:lstStyle/>
+          <a:p>
+            <a:r>
+              <a:rPr lang="en-GB" sz="1400" b="1" dirty="0">
+                <a:latin typeface="Helvetica Neue" panose="02000503000000020004" pitchFamily="2" charset="0"/>
+                <a:ea typeface="Helvetica Neue" panose="02000503000000020004" pitchFamily="2" charset="0"/>
+                <a:cs typeface="Helvetica Neue" panose="02000503000000020004" pitchFamily="2" charset="0"/>
+              </a:rPr>
+              <a:t>Four System Components:</a:t>
+            </a:r>
+          </a:p>
+        </p:txBody>
+      </p:sp>
+      <p:cxnSp>
+        <p:nvCxnSpPr>
+          <p:cNvPr id="21" name="Straight Connector 20">
+            <a:extLst>
+              <a:ext uri="{FF2B5EF4-FFF2-40B4-BE49-F238E27FC236}">
+                <a16:creationId xmlns:a16="http://schemas.microsoft.com/office/drawing/2014/main" id="{218DA87B-C02C-604A-9A51-3326E8DC25A2}"/>
+              </a:ext>
+            </a:extLst>
+          </p:cNvPr>
+          <p:cNvCxnSpPr/>
+          <p:nvPr/>
+        </p:nvCxnSpPr>
+        <p:spPr>
+          <a:xfrm>
+            <a:off x="441434" y="3776010"/>
+            <a:ext cx="11172497" cy="0"/>
+          </a:xfrm>
+          <a:prstGeom prst="line">
+            <a:avLst/>
+          </a:prstGeom>
           <a:ln w="19050">
             <a:solidFill>
               <a:schemeClr val="tx1"/>
@@ -4592,82 +4985,20 @@
           </a:ln>
         </p:spPr>
         <p:style>
-          <a:lnRef idx="2">
-            <a:schemeClr val="accent1">
-              <a:shade val="50000"/>
-            </a:schemeClr>
+          <a:lnRef idx="1">
+            <a:schemeClr val="dk1"/>
           </a:lnRef>
-          <a:fillRef idx="1">
-            <a:schemeClr val="accent1"/>
+          <a:fillRef idx="0">
+            <a:schemeClr val="dk1"/>
           </a:fillRef>
           <a:effectRef idx="0">
-            <a:schemeClr val="accent1"/>
+            <a:schemeClr val="dk1"/>
           </a:effectRef>
           <a:fontRef idx="minor">
-            <a:schemeClr val="lt1"/>
+            <a:schemeClr val="tx1"/>
           </a:fontRef>
         </p:style>
-        <p:txBody>
-          <a:bodyPr rtlCol="0" anchor="ctr"/>
-          <a:lstStyle/>
-          <a:p>
-            <a:pPr algn="ctr"/>
-            <a:endParaRPr lang="en-GB"/>
-          </a:p>
-        </p:txBody>
-      </p:sp>
-      <p:sp>
-        <p:nvSpPr>
-          <p:cNvPr id="20" name="Rectangle 19">
-            <a:extLst>
-              <a:ext uri="{FF2B5EF4-FFF2-40B4-BE49-F238E27FC236}">
-                <a16:creationId xmlns:a16="http://schemas.microsoft.com/office/drawing/2014/main" id="{1828261C-6BFE-B24A-B6BE-CBD2C07B4E04}"/>
-              </a:ext>
-            </a:extLst>
-          </p:cNvPr>
-          <p:cNvSpPr/>
-          <p:nvPr/>
-        </p:nvSpPr>
-        <p:spPr>
-          <a:xfrm>
-            <a:off x="5410216" y="2009540"/>
-            <a:ext cx="6203714" cy="2324868"/>
-          </a:xfrm>
-          <a:prstGeom prst="rect">
-            <a:avLst/>
-          </a:prstGeom>
-          <a:noFill/>
-          <a:ln w="19050">
-            <a:solidFill>
-              <a:schemeClr val="tx1"/>
-            </a:solidFill>
-          </a:ln>
-        </p:spPr>
-        <p:style>
-          <a:lnRef idx="2">
-            <a:schemeClr val="accent1">
-              <a:shade val="50000"/>
-            </a:schemeClr>
-          </a:lnRef>
-          <a:fillRef idx="1">
-            <a:schemeClr val="accent1"/>
-          </a:fillRef>
-          <a:effectRef idx="0">
-            <a:schemeClr val="accent1"/>
-          </a:effectRef>
-          <a:fontRef idx="minor">
-            <a:schemeClr val="lt1"/>
-          </a:fontRef>
-        </p:style>
-        <p:txBody>
-          <a:bodyPr rtlCol="0" anchor="ctr"/>
-          <a:lstStyle/>
-          <a:p>
-            <a:pPr algn="ctr"/>
-            <a:endParaRPr lang="en-GB"/>
-          </a:p>
-        </p:txBody>
-      </p:sp>
+      </p:cxnSp>
     </p:spTree>
     <p:extLst>
       <p:ext uri="{BB962C8B-B14F-4D97-AF65-F5344CB8AC3E}">
@@ -4700,116 +5031,6 @@
       </p:grpSpPr>
       <p:sp>
         <p:nvSpPr>
-          <p:cNvPr id="4" name="TextBox 3">
-            <a:extLst>
-              <a:ext uri="{FF2B5EF4-FFF2-40B4-BE49-F238E27FC236}">
-                <a16:creationId xmlns:a16="http://schemas.microsoft.com/office/drawing/2014/main" id="{DC62B304-6D2A-E241-B318-1DE00AD003B5}"/>
-              </a:ext>
-            </a:extLst>
-          </p:cNvPr>
-          <p:cNvSpPr txBox="1"/>
-          <p:nvPr/>
-        </p:nvSpPr>
-        <p:spPr>
-          <a:xfrm>
-            <a:off x="357348" y="5021695"/>
-            <a:ext cx="6559018" cy="1174296"/>
-          </a:xfrm>
-          <a:prstGeom prst="rect">
-            <a:avLst/>
-          </a:prstGeom>
-          <a:noFill/>
-        </p:spPr>
-        <p:txBody>
-          <a:bodyPr wrap="square">
-            <a:spAutoFit/>
-          </a:bodyPr>
-          <a:lstStyle/>
-          <a:p>
-            <a:pPr marL="342900" indent="-342900">
-              <a:lnSpc>
-                <a:spcPct val="110000"/>
-              </a:lnSpc>
-              <a:spcAft>
-                <a:spcPts val="600"/>
-              </a:spcAft>
-              <a:buFont typeface="+mj-lt"/>
-              <a:buAutoNum type="arabicPeriod"/>
-            </a:pPr>
-            <a:r>
-              <a:rPr lang="en-GB" sz="1400" spc="70" dirty="0">
-                <a:effectLst/>
-                <a:latin typeface="Helvetica Neue" panose="02000503000000020004" pitchFamily="2" charset="0"/>
-                <a:ea typeface="Helvetica Neue" panose="02000503000000020004" pitchFamily="2" charset="0"/>
-                <a:cs typeface="Helvetica Neue" panose="02000503000000020004" pitchFamily="2" charset="0"/>
-              </a:rPr>
-              <a:t>Prompt the musician with a few example sketches, and let them tweak the musical controls according to example sketches. </a:t>
-            </a:r>
-          </a:p>
-          <a:p>
-            <a:pPr marL="342900" indent="-342900">
-              <a:lnSpc>
-                <a:spcPct val="110000"/>
-              </a:lnSpc>
-              <a:spcAft>
-                <a:spcPts val="600"/>
-              </a:spcAft>
-              <a:buFont typeface="+mj-lt"/>
-              <a:buAutoNum type="arabicPeriod"/>
-            </a:pPr>
-            <a:r>
-              <a:rPr lang="en-GB" sz="1400" spc="70" dirty="0">
-                <a:effectLst/>
-                <a:latin typeface="Helvetica Neue" panose="02000503000000020004" pitchFamily="2" charset="0"/>
-                <a:ea typeface="Helvetica Neue" panose="02000503000000020004" pitchFamily="2" charset="0"/>
-                <a:cs typeface="Helvetica Neue" panose="02000503000000020004" pitchFamily="2" charset="0"/>
-              </a:rPr>
-              <a:t>Train the </a:t>
-            </a:r>
-            <a:r>
-              <a:rPr lang="en-GB" sz="1400" spc="70" dirty="0" err="1">
-                <a:effectLst/>
-                <a:latin typeface="Helvetica Neue" panose="02000503000000020004" pitchFamily="2" charset="0"/>
-                <a:ea typeface="Helvetica Neue" panose="02000503000000020004" pitchFamily="2" charset="0"/>
-                <a:cs typeface="Helvetica Neue" panose="02000503000000020004" pitchFamily="2" charset="0"/>
-              </a:rPr>
-              <a:t>Wekinator</a:t>
-            </a:r>
-            <a:r>
-              <a:rPr lang="en-GB" sz="1400" spc="70" dirty="0">
-                <a:effectLst/>
-                <a:latin typeface="Helvetica Neue" panose="02000503000000020004" pitchFamily="2" charset="0"/>
-                <a:ea typeface="Helvetica Neue" panose="02000503000000020004" pitchFamily="2" charset="0"/>
-                <a:cs typeface="Helvetica Neue" panose="02000503000000020004" pitchFamily="2" charset="0"/>
-              </a:rPr>
-              <a:t> model.</a:t>
-            </a:r>
-          </a:p>
-          <a:p>
-            <a:pPr marL="342900" indent="-342900">
-              <a:lnSpc>
-                <a:spcPct val="110000"/>
-              </a:lnSpc>
-              <a:spcAft>
-                <a:spcPts val="600"/>
-              </a:spcAft>
-              <a:buFont typeface="+mj-lt"/>
-              <a:buAutoNum type="arabicPeriod"/>
-            </a:pPr>
-            <a:r>
-              <a:rPr lang="en-GB" sz="1400" spc="70" dirty="0">
-                <a:effectLst/>
-                <a:latin typeface="Helvetica Neue" panose="02000503000000020004" pitchFamily="2" charset="0"/>
-                <a:ea typeface="Helvetica Neue" panose="02000503000000020004" pitchFamily="2" charset="0"/>
-                <a:cs typeface="Helvetica Neue" panose="02000503000000020004" pitchFamily="2" charset="0"/>
-              </a:rPr>
-              <a:t>Start exploring the soundscape with new sketches.</a:t>
-            </a:r>
-          </a:p>
-        </p:txBody>
-      </p:sp>
-      <p:sp>
-        <p:nvSpPr>
           <p:cNvPr id="5" name="TextBox 4">
             <a:extLst>
               <a:ext uri="{FF2B5EF4-FFF2-40B4-BE49-F238E27FC236}">
@@ -4842,80 +5063,7 @@
                 <a:ea typeface="Helvetica Neue" panose="02000503000000020004" pitchFamily="2" charset="0"/>
                 <a:cs typeface="Helvetica Neue" panose="02000503000000020004" pitchFamily="2" charset="0"/>
               </a:rPr>
-              <a:t>System</a:t>
-            </a:r>
-            <a:r>
-              <a:rPr lang="zh-CN" altLang="en-US" sz="1400" b="1" dirty="0">
-                <a:latin typeface="Helvetica Neue" panose="02000503000000020004" pitchFamily="2" charset="0"/>
-                <a:ea typeface="Helvetica Neue" panose="02000503000000020004" pitchFamily="2" charset="0"/>
-                <a:cs typeface="Helvetica Neue" panose="02000503000000020004" pitchFamily="2" charset="0"/>
-              </a:rPr>
-              <a:t> </a:t>
-            </a:r>
-            <a:r>
-              <a:rPr lang="en-US" altLang="zh-CN" sz="1400" b="1" dirty="0">
-                <a:latin typeface="Helvetica Neue" panose="02000503000000020004" pitchFamily="2" charset="0"/>
-                <a:ea typeface="Helvetica Neue" panose="02000503000000020004" pitchFamily="2" charset="0"/>
-                <a:cs typeface="Helvetica Neue" panose="02000503000000020004" pitchFamily="2" charset="0"/>
-              </a:rPr>
-              <a:t>Components</a:t>
-            </a:r>
-            <a:r>
-              <a:rPr lang="en-GB" sz="1400" b="1" dirty="0">
-                <a:latin typeface="Helvetica Neue" panose="02000503000000020004" pitchFamily="2" charset="0"/>
-                <a:ea typeface="Helvetica Neue" panose="02000503000000020004" pitchFamily="2" charset="0"/>
-                <a:cs typeface="Helvetica Neue" panose="02000503000000020004" pitchFamily="2" charset="0"/>
-              </a:rPr>
-              <a:t> </a:t>
-            </a:r>
-          </a:p>
-        </p:txBody>
-      </p:sp>
-      <p:sp>
-        <p:nvSpPr>
-          <p:cNvPr id="7" name="TextBox 6">
-            <a:extLst>
-              <a:ext uri="{FF2B5EF4-FFF2-40B4-BE49-F238E27FC236}">
-                <a16:creationId xmlns:a16="http://schemas.microsoft.com/office/drawing/2014/main" id="{851AD066-9576-844A-B926-BC6E883D17C5}"/>
-              </a:ext>
-            </a:extLst>
-          </p:cNvPr>
-          <p:cNvSpPr txBox="1"/>
-          <p:nvPr/>
-        </p:nvSpPr>
-        <p:spPr>
-          <a:xfrm>
-            <a:off x="357348" y="4220997"/>
-            <a:ext cx="9816661" cy="307777"/>
-          </a:xfrm>
-          <a:prstGeom prst="rect">
-            <a:avLst/>
-          </a:prstGeom>
-          <a:noFill/>
-        </p:spPr>
-        <p:txBody>
-          <a:bodyPr wrap="square">
-            <a:spAutoFit/>
-          </a:bodyPr>
-          <a:lstStyle/>
-          <a:p>
-            <a:r>
-              <a:rPr lang="en-GB" sz="1400" b="1" dirty="0">
-                <a:effectLst/>
-                <a:latin typeface="Helvetica Neue" panose="02000503000000020004" pitchFamily="2" charset="0"/>
-                <a:ea typeface="Helvetica Neue" panose="02000503000000020004" pitchFamily="2" charset="0"/>
-                <a:cs typeface="Helvetica Neue" panose="02000503000000020004" pitchFamily="2" charset="0"/>
-              </a:rPr>
-              <a:t>Interaction Process:  </a:t>
-            </a:r>
-            <a:r>
-              <a:rPr lang="en-GB" sz="1400" dirty="0">
-                <a:effectLst/>
-                <a:latin typeface="Helvetica Neue" panose="02000503000000020004" pitchFamily="2" charset="0"/>
-                <a:ea typeface="Helvetica Neue" panose="02000503000000020004" pitchFamily="2" charset="0"/>
-                <a:cs typeface="Helvetica Neue" panose="02000503000000020004" pitchFamily="2" charset="0"/>
-              </a:rPr>
-              <a:t>tweak, train, and perform.</a:t>
+              <a:t>System Specification</a:t>
             </a:r>
           </a:p>
         </p:txBody>
@@ -4963,47 +5111,6 @@
       </p:cxnSp>
       <p:cxnSp>
         <p:nvCxnSpPr>
-          <p:cNvPr id="9" name="Straight Connector 8">
-            <a:extLst>
-              <a:ext uri="{FF2B5EF4-FFF2-40B4-BE49-F238E27FC236}">
-                <a16:creationId xmlns:a16="http://schemas.microsoft.com/office/drawing/2014/main" id="{439B1BC7-ADFC-3547-AF1D-AB4332D728C8}"/>
-              </a:ext>
-            </a:extLst>
-          </p:cNvPr>
-          <p:cNvCxnSpPr/>
-          <p:nvPr/>
-        </p:nvCxnSpPr>
-        <p:spPr>
-          <a:xfrm>
-            <a:off x="441433" y="4088988"/>
-            <a:ext cx="11172497" cy="0"/>
-          </a:xfrm>
-          <a:prstGeom prst="line">
-            <a:avLst/>
-          </a:prstGeom>
-          <a:ln w="19050">
-            <a:solidFill>
-              <a:schemeClr val="tx1"/>
-            </a:solidFill>
-          </a:ln>
-        </p:spPr>
-        <p:style>
-          <a:lnRef idx="1">
-            <a:schemeClr val="dk1"/>
-          </a:lnRef>
-          <a:fillRef idx="0">
-            <a:schemeClr val="dk1"/>
-          </a:fillRef>
-          <a:effectRef idx="0">
-            <a:schemeClr val="dk1"/>
-          </a:effectRef>
-          <a:fontRef idx="minor">
-            <a:schemeClr val="tx1"/>
-          </a:fontRef>
-        </p:style>
-      </p:cxnSp>
-      <p:cxnSp>
-        <p:nvCxnSpPr>
           <p:cNvPr id="10" name="Straight Connector 9">
             <a:extLst>
               <a:ext uri="{FF2B5EF4-FFF2-40B4-BE49-F238E27FC236}">
@@ -5043,12 +5150,176 @@
           </a:fontRef>
         </p:style>
       </p:cxnSp>
+      <p:sp>
+        <p:nvSpPr>
+          <p:cNvPr id="14" name="TextBox 13">
+            <a:extLst>
+              <a:ext uri="{FF2B5EF4-FFF2-40B4-BE49-F238E27FC236}">
+                <a16:creationId xmlns:a16="http://schemas.microsoft.com/office/drawing/2014/main" id="{CE0232EE-4E46-B642-92EB-3038AF95B8B5}"/>
+              </a:ext>
+            </a:extLst>
+          </p:cNvPr>
+          <p:cNvSpPr txBox="1"/>
+          <p:nvPr/>
+        </p:nvSpPr>
+        <p:spPr>
+          <a:xfrm>
+            <a:off x="441434" y="4353428"/>
+            <a:ext cx="4987093" cy="1962204"/>
+          </a:xfrm>
+          <a:prstGeom prst="rect">
+            <a:avLst/>
+          </a:prstGeom>
+          <a:noFill/>
+        </p:spPr>
+        <p:txBody>
+          <a:bodyPr wrap="square">
+            <a:spAutoFit/>
+          </a:bodyPr>
+          <a:lstStyle/>
+          <a:p>
+            <a:pPr marL="342900" indent="-342900">
+              <a:lnSpc>
+                <a:spcPct val="110000"/>
+              </a:lnSpc>
+              <a:spcAft>
+                <a:spcPts val="600"/>
+              </a:spcAft>
+              <a:buFontTx/>
+              <a:buAutoNum type="arabicParenBoth"/>
+            </a:pPr>
+            <a:r>
+              <a:rPr lang="en-GB" sz="1400" spc="70" dirty="0">
+                <a:effectLst/>
+                <a:latin typeface="Helvetica Neue" panose="02000503000000020004" pitchFamily="2" charset="0"/>
+                <a:ea typeface="Helvetica Neue" panose="02000503000000020004" pitchFamily="2" charset="0"/>
+                <a:cs typeface="Helvetica Neue" panose="02000503000000020004" pitchFamily="2" charset="0"/>
+              </a:rPr>
+              <a:t>An updated code for </a:t>
+            </a:r>
+            <a:r>
+              <a:rPr lang="en-GB" sz="1400" spc="70" dirty="0" err="1">
+                <a:effectLst/>
+                <a:latin typeface="Helvetica Neue" panose="02000503000000020004" pitchFamily="2" charset="0"/>
+                <a:ea typeface="Helvetica Neue" panose="02000503000000020004" pitchFamily="2" charset="0"/>
+                <a:cs typeface="Helvetica Neue" panose="02000503000000020004" pitchFamily="2" charset="0"/>
+              </a:rPr>
+              <a:t>TrillSquare</a:t>
+            </a:r>
+            <a:r>
+              <a:rPr lang="en-GB" sz="1400" spc="70" dirty="0">
+                <a:effectLst/>
+                <a:latin typeface="Helvetica Neue" panose="02000503000000020004" pitchFamily="2" charset="0"/>
+                <a:ea typeface="Helvetica Neue" panose="02000503000000020004" pitchFamily="2" charset="0"/>
+                <a:cs typeface="Helvetica Neue" panose="02000503000000020004" pitchFamily="2" charset="0"/>
+              </a:rPr>
+              <a:t> that filters out the noise, directly outputs x, y coordinates</a:t>
+            </a:r>
+          </a:p>
+          <a:p>
+            <a:pPr marL="342900" indent="-342900">
+              <a:lnSpc>
+                <a:spcPct val="110000"/>
+              </a:lnSpc>
+              <a:spcAft>
+                <a:spcPts val="600"/>
+              </a:spcAft>
+              <a:buFontTx/>
+              <a:buAutoNum type="arabicParenBoth"/>
+            </a:pPr>
+            <a:r>
+              <a:rPr lang="en-GB" sz="1400" spc="70" dirty="0">
+                <a:effectLst/>
+                <a:latin typeface="Helvetica Neue" panose="02000503000000020004" pitchFamily="2" charset="0"/>
+                <a:ea typeface="Helvetica Neue" panose="02000503000000020004" pitchFamily="2" charset="0"/>
+                <a:cs typeface="Helvetica Neue" panose="02000503000000020004" pitchFamily="2" charset="0"/>
+              </a:rPr>
+              <a:t>x, y coordinates are ported to a Python program to synthesis a sketch as image</a:t>
+            </a:r>
+          </a:p>
+          <a:p>
+            <a:pPr marL="342900" indent="-342900">
+              <a:lnSpc>
+                <a:spcPct val="110000"/>
+              </a:lnSpc>
+              <a:spcAft>
+                <a:spcPts val="600"/>
+              </a:spcAft>
+              <a:buFontTx/>
+              <a:buAutoNum type="arabicParenBoth"/>
+            </a:pPr>
+            <a:r>
+              <a:rPr lang="en-GB" sz="1400" spc="70" dirty="0">
+                <a:latin typeface="Helvetica Neue" panose="02000503000000020004" pitchFamily="2" charset="0"/>
+                <a:ea typeface="Helvetica Neue" panose="02000503000000020004" pitchFamily="2" charset="0"/>
+                <a:cs typeface="Helvetica Neue" panose="02000503000000020004" pitchFamily="2" charset="0"/>
+              </a:rPr>
+              <a:t>A </a:t>
+            </a:r>
+            <a:r>
+              <a:rPr lang="en-GB" sz="1400" spc="70" dirty="0" err="1">
+                <a:latin typeface="Helvetica Neue" panose="02000503000000020004" pitchFamily="2" charset="0"/>
+                <a:ea typeface="Helvetica Neue" panose="02000503000000020004" pitchFamily="2" charset="0"/>
+                <a:cs typeface="Helvetica Neue" panose="02000503000000020004" pitchFamily="2" charset="0"/>
+              </a:rPr>
+              <a:t>Hyperspherical</a:t>
+            </a:r>
+            <a:r>
+              <a:rPr lang="en-GB" sz="1400" spc="70" dirty="0">
+                <a:latin typeface="Helvetica Neue" panose="02000503000000020004" pitchFamily="2" charset="0"/>
+                <a:ea typeface="Helvetica Neue" panose="02000503000000020004" pitchFamily="2" charset="0"/>
+                <a:cs typeface="Helvetica Neue" panose="02000503000000020004" pitchFamily="2" charset="0"/>
+              </a:rPr>
+              <a:t> VAE is trained on the </a:t>
+            </a:r>
+            <a:r>
+              <a:rPr lang="en-GB" sz="1400" spc="70" dirty="0" err="1">
+                <a:latin typeface="Helvetica Neue" panose="02000503000000020004" pitchFamily="2" charset="0"/>
+                <a:ea typeface="Helvetica Neue" panose="02000503000000020004" pitchFamily="2" charset="0"/>
+                <a:cs typeface="Helvetica Neue" panose="02000503000000020004" pitchFamily="2" charset="0"/>
+              </a:rPr>
+              <a:t>SketchingSounds</a:t>
+            </a:r>
+            <a:r>
+              <a:rPr lang="en-GB" sz="1400" spc="70" dirty="0">
+                <a:latin typeface="Helvetica Neue" panose="02000503000000020004" pitchFamily="2" charset="0"/>
+                <a:ea typeface="Helvetica Neue" panose="02000503000000020004" pitchFamily="2" charset="0"/>
+                <a:cs typeface="Helvetica Neue" panose="02000503000000020004" pitchFamily="2" charset="0"/>
+              </a:rPr>
+              <a:t> Dataset</a:t>
+            </a:r>
+            <a:endParaRPr lang="en-GB" sz="1400" spc="70" dirty="0">
+              <a:effectLst/>
+              <a:latin typeface="Helvetica Neue" panose="02000503000000020004" pitchFamily="2" charset="0"/>
+              <a:ea typeface="Helvetica Neue" panose="02000503000000020004" pitchFamily="2" charset="0"/>
+              <a:cs typeface="Helvetica Neue" panose="02000503000000020004" pitchFamily="2" charset="0"/>
+            </a:endParaRPr>
+          </a:p>
+          <a:p>
+            <a:pPr marL="342900" indent="-342900">
+              <a:lnSpc>
+                <a:spcPct val="110000"/>
+              </a:lnSpc>
+              <a:spcAft>
+                <a:spcPts val="600"/>
+              </a:spcAft>
+              <a:buAutoNum type="arabicParenBoth"/>
+            </a:pPr>
+            <a:endParaRPr lang="en-GB" sz="1400" spc="70" dirty="0">
+              <a:effectLst/>
+              <a:latin typeface="Helvetica Neue" panose="02000503000000020004" pitchFamily="2" charset="0"/>
+              <a:ea typeface="Helvetica Neue" panose="02000503000000020004" pitchFamily="2" charset="0"/>
+              <a:cs typeface="Helvetica Neue" panose="02000503000000020004" pitchFamily="2" charset="0"/>
+            </a:endParaRPr>
+          </a:p>
+        </p:txBody>
+      </p:sp>
       <p:pic>
         <p:nvPicPr>
-          <p:cNvPr id="3" name="Picture 2">
-            <a:extLst>
-              <a:ext uri="{FF2B5EF4-FFF2-40B4-BE49-F238E27FC236}">
-                <a16:creationId xmlns:a16="http://schemas.microsoft.com/office/drawing/2014/main" id="{9EB74F27-187D-1F4F-A0BC-41E1DEE8E022}"/>
+          <p:cNvPr id="7" name="Picture 6">
+            <a:extLst>
+              <a:ext uri="{FF2B5EF4-FFF2-40B4-BE49-F238E27FC236}">
+                <a16:creationId xmlns:a16="http://schemas.microsoft.com/office/drawing/2014/main" id="{A604B02C-EB10-D94B-A96B-F550E73E9584}"/>
               </a:ext>
             </a:extLst>
           </p:cNvPr>
@@ -5065,8 +5336,8 @@
         </p:blipFill>
         <p:spPr>
           <a:xfrm>
-            <a:off x="441433" y="1351204"/>
-            <a:ext cx="6591665" cy="2574869"/>
+            <a:off x="357350" y="1081045"/>
+            <a:ext cx="11074826" cy="2324868"/>
           </a:xfrm>
           <a:prstGeom prst="rect">
             <a:avLst/>
@@ -5075,10 +5346,10 @@
       </p:pic>
       <p:sp>
         <p:nvSpPr>
-          <p:cNvPr id="13" name="TextBox 12">
-            <a:extLst>
-              <a:ext uri="{FF2B5EF4-FFF2-40B4-BE49-F238E27FC236}">
-                <a16:creationId xmlns:a16="http://schemas.microsoft.com/office/drawing/2014/main" id="{CD9D0BDE-DBEF-BE4F-8202-CB85B3337821}"/>
+          <p:cNvPr id="16" name="TextBox 15">
+            <a:extLst>
+              <a:ext uri="{FF2B5EF4-FFF2-40B4-BE49-F238E27FC236}">
+                <a16:creationId xmlns:a16="http://schemas.microsoft.com/office/drawing/2014/main" id="{938490C6-B629-2F45-889C-1653E1EB8667}"/>
               </a:ext>
             </a:extLst>
           </p:cNvPr>
@@ -5087,8 +5358,8 @@
         </p:nvSpPr>
         <p:spPr>
           <a:xfrm>
-            <a:off x="7762673" y="2202496"/>
-            <a:ext cx="3987894" cy="1565172"/>
+            <a:off x="357350" y="3891038"/>
+            <a:ext cx="5071177" cy="307777"/>
           </a:xfrm>
           <a:prstGeom prst="rect">
             <a:avLst/>
@@ -5096,37 +5367,434 @@
           <a:noFill/>
         </p:spPr>
         <p:txBody>
+          <a:bodyPr wrap="square" rtlCol="0">
+            <a:spAutoFit/>
+          </a:bodyPr>
+          <a:lstStyle/>
+          <a:p>
+            <a:r>
+              <a:rPr lang="en-GB" sz="1400" b="1" dirty="0">
+                <a:latin typeface="Helvetica Neue" panose="02000503000000020004" pitchFamily="2" charset="0"/>
+                <a:ea typeface="Helvetica Neue" panose="02000503000000020004" pitchFamily="2" charset="0"/>
+                <a:cs typeface="Helvetica Neue" panose="02000503000000020004" pitchFamily="2" charset="0"/>
+              </a:rPr>
+              <a:t>What Have Been Done</a:t>
+            </a:r>
+          </a:p>
+        </p:txBody>
+      </p:sp>
+      <p:cxnSp>
+        <p:nvCxnSpPr>
+          <p:cNvPr id="21" name="Straight Connector 20">
+            <a:extLst>
+              <a:ext uri="{FF2B5EF4-FFF2-40B4-BE49-F238E27FC236}">
+                <a16:creationId xmlns:a16="http://schemas.microsoft.com/office/drawing/2014/main" id="{218DA87B-C02C-604A-9A51-3326E8DC25A2}"/>
+              </a:ext>
+            </a:extLst>
+          </p:cNvPr>
+          <p:cNvCxnSpPr/>
+          <p:nvPr/>
+        </p:nvCxnSpPr>
+        <p:spPr>
+          <a:xfrm>
+            <a:off x="441434" y="3776010"/>
+            <a:ext cx="11172497" cy="0"/>
+          </a:xfrm>
+          <a:prstGeom prst="line">
+            <a:avLst/>
+          </a:prstGeom>
+          <a:ln w="19050">
+            <a:solidFill>
+              <a:schemeClr val="tx1"/>
+            </a:solidFill>
+          </a:ln>
+        </p:spPr>
+        <p:style>
+          <a:lnRef idx="1">
+            <a:schemeClr val="dk1"/>
+          </a:lnRef>
+          <a:fillRef idx="0">
+            <a:schemeClr val="dk1"/>
+          </a:fillRef>
+          <a:effectRef idx="0">
+            <a:schemeClr val="dk1"/>
+          </a:effectRef>
+          <a:fontRef idx="minor">
+            <a:schemeClr val="tx1"/>
+          </a:fontRef>
+        </p:style>
+      </p:cxnSp>
+      <p:sp>
+        <p:nvSpPr>
+          <p:cNvPr id="2" name="Oval 1">
+            <a:extLst>
+              <a:ext uri="{FF2B5EF4-FFF2-40B4-BE49-F238E27FC236}">
+                <a16:creationId xmlns:a16="http://schemas.microsoft.com/office/drawing/2014/main" id="{5A2AE36A-11AA-C540-BA66-C4E15C1A6C5E}"/>
+              </a:ext>
+            </a:extLst>
+          </p:cNvPr>
+          <p:cNvSpPr/>
+          <p:nvPr/>
+        </p:nvSpPr>
+        <p:spPr>
+          <a:xfrm>
+            <a:off x="1817225" y="2176040"/>
+            <a:ext cx="185195" cy="185195"/>
+          </a:xfrm>
+          <a:prstGeom prst="ellipse">
+            <a:avLst/>
+          </a:prstGeom>
+          <a:solidFill>
+            <a:schemeClr val="accent6"/>
+          </a:solidFill>
+          <a:ln>
+            <a:noFill/>
+          </a:ln>
+        </p:spPr>
+        <p:style>
+          <a:lnRef idx="2">
+            <a:schemeClr val="accent1">
+              <a:shade val="50000"/>
+            </a:schemeClr>
+          </a:lnRef>
+          <a:fillRef idx="1">
+            <a:schemeClr val="accent1"/>
+          </a:fillRef>
+          <a:effectRef idx="0">
+            <a:schemeClr val="accent1"/>
+          </a:effectRef>
+          <a:fontRef idx="minor">
+            <a:schemeClr val="lt1"/>
+          </a:fontRef>
+        </p:style>
+        <p:txBody>
+          <a:bodyPr rtlCol="0" anchor="ctr"/>
+          <a:lstStyle/>
+          <a:p>
+            <a:pPr algn="ctr"/>
+            <a:endParaRPr lang="en-GB"/>
+          </a:p>
+        </p:txBody>
+      </p:sp>
+      <p:sp>
+        <p:nvSpPr>
+          <p:cNvPr id="11" name="Oval 10">
+            <a:extLst>
+              <a:ext uri="{FF2B5EF4-FFF2-40B4-BE49-F238E27FC236}">
+                <a16:creationId xmlns:a16="http://schemas.microsoft.com/office/drawing/2014/main" id="{7EA20329-669F-A34F-A45C-0332BF7D0258}"/>
+              </a:ext>
+            </a:extLst>
+          </p:cNvPr>
+          <p:cNvSpPr/>
+          <p:nvPr/>
+        </p:nvSpPr>
+        <p:spPr>
+          <a:xfrm>
+            <a:off x="2767147" y="2061022"/>
+            <a:ext cx="185195" cy="185195"/>
+          </a:xfrm>
+          <a:prstGeom prst="ellipse">
+            <a:avLst/>
+          </a:prstGeom>
+          <a:solidFill>
+            <a:schemeClr val="accent6"/>
+          </a:solidFill>
+          <a:ln>
+            <a:noFill/>
+          </a:ln>
+        </p:spPr>
+        <p:style>
+          <a:lnRef idx="2">
+            <a:schemeClr val="accent1">
+              <a:shade val="50000"/>
+            </a:schemeClr>
+          </a:lnRef>
+          <a:fillRef idx="1">
+            <a:schemeClr val="accent1"/>
+          </a:fillRef>
+          <a:effectRef idx="0">
+            <a:schemeClr val="accent1"/>
+          </a:effectRef>
+          <a:fontRef idx="minor">
+            <a:schemeClr val="lt1"/>
+          </a:fontRef>
+        </p:style>
+        <p:txBody>
+          <a:bodyPr rtlCol="0" anchor="ctr"/>
+          <a:lstStyle/>
+          <a:p>
+            <a:pPr algn="ctr"/>
+            <a:endParaRPr lang="en-GB"/>
+          </a:p>
+        </p:txBody>
+      </p:sp>
+      <p:sp>
+        <p:nvSpPr>
+          <p:cNvPr id="12" name="Oval 11">
+            <a:extLst>
+              <a:ext uri="{FF2B5EF4-FFF2-40B4-BE49-F238E27FC236}">
+                <a16:creationId xmlns:a16="http://schemas.microsoft.com/office/drawing/2014/main" id="{45A9E2ED-C4FA-AA44-8BCA-18F463357036}"/>
+              </a:ext>
+            </a:extLst>
+          </p:cNvPr>
+          <p:cNvSpPr/>
+          <p:nvPr/>
+        </p:nvSpPr>
+        <p:spPr>
+          <a:xfrm>
+            <a:off x="3914970" y="2153619"/>
+            <a:ext cx="185195" cy="185195"/>
+          </a:xfrm>
+          <a:prstGeom prst="ellipse">
+            <a:avLst/>
+          </a:prstGeom>
+          <a:solidFill>
+            <a:schemeClr val="accent6"/>
+          </a:solidFill>
+          <a:ln>
+            <a:noFill/>
+          </a:ln>
+        </p:spPr>
+        <p:style>
+          <a:lnRef idx="2">
+            <a:schemeClr val="accent1">
+              <a:shade val="50000"/>
+            </a:schemeClr>
+          </a:lnRef>
+          <a:fillRef idx="1">
+            <a:schemeClr val="accent1"/>
+          </a:fillRef>
+          <a:effectRef idx="0">
+            <a:schemeClr val="accent1"/>
+          </a:effectRef>
+          <a:fontRef idx="minor">
+            <a:schemeClr val="lt1"/>
+          </a:fontRef>
+        </p:style>
+        <p:txBody>
+          <a:bodyPr rtlCol="0" anchor="ctr"/>
+          <a:lstStyle/>
+          <a:p>
+            <a:pPr algn="ctr"/>
+            <a:endParaRPr lang="en-GB"/>
+          </a:p>
+        </p:txBody>
+      </p:sp>
+      <p:sp>
+        <p:nvSpPr>
+          <p:cNvPr id="13" name="Oval 12">
+            <a:extLst>
+              <a:ext uri="{FF2B5EF4-FFF2-40B4-BE49-F238E27FC236}">
+                <a16:creationId xmlns:a16="http://schemas.microsoft.com/office/drawing/2014/main" id="{2CEE0E74-CC68-1249-AF45-C8AA26CE6201}"/>
+              </a:ext>
+            </a:extLst>
+          </p:cNvPr>
+          <p:cNvSpPr/>
+          <p:nvPr/>
+        </p:nvSpPr>
+        <p:spPr>
+          <a:xfrm>
+            <a:off x="5654422" y="2095824"/>
+            <a:ext cx="185195" cy="185195"/>
+          </a:xfrm>
+          <a:prstGeom prst="ellipse">
+            <a:avLst/>
+          </a:prstGeom>
+          <a:solidFill>
+            <a:schemeClr val="accent6"/>
+          </a:solidFill>
+          <a:ln>
+            <a:noFill/>
+          </a:ln>
+        </p:spPr>
+        <p:style>
+          <a:lnRef idx="2">
+            <a:schemeClr val="accent1">
+              <a:shade val="50000"/>
+            </a:schemeClr>
+          </a:lnRef>
+          <a:fillRef idx="1">
+            <a:schemeClr val="accent1"/>
+          </a:fillRef>
+          <a:effectRef idx="0">
+            <a:schemeClr val="accent1"/>
+          </a:effectRef>
+          <a:fontRef idx="minor">
+            <a:schemeClr val="lt1"/>
+          </a:fontRef>
+        </p:style>
+        <p:txBody>
+          <a:bodyPr rtlCol="0" anchor="ctr"/>
+          <a:lstStyle/>
+          <a:p>
+            <a:pPr algn="ctr"/>
+            <a:endParaRPr lang="en-GB"/>
+          </a:p>
+        </p:txBody>
+      </p:sp>
+      <p:sp>
+        <p:nvSpPr>
+          <p:cNvPr id="15" name="Oval 14">
+            <a:extLst>
+              <a:ext uri="{FF2B5EF4-FFF2-40B4-BE49-F238E27FC236}">
+                <a16:creationId xmlns:a16="http://schemas.microsoft.com/office/drawing/2014/main" id="{D23DF3B1-124C-B443-861F-C6D3EF18B41C}"/>
+              </a:ext>
+            </a:extLst>
+          </p:cNvPr>
+          <p:cNvSpPr/>
+          <p:nvPr/>
+        </p:nvSpPr>
+        <p:spPr>
+          <a:xfrm>
+            <a:off x="7007063" y="2084977"/>
+            <a:ext cx="185195" cy="185195"/>
+          </a:xfrm>
+          <a:prstGeom prst="ellipse">
+            <a:avLst/>
+          </a:prstGeom>
+          <a:solidFill>
+            <a:schemeClr val="accent6"/>
+          </a:solidFill>
+          <a:ln>
+            <a:noFill/>
+          </a:ln>
+        </p:spPr>
+        <p:style>
+          <a:lnRef idx="2">
+            <a:schemeClr val="accent1">
+              <a:shade val="50000"/>
+            </a:schemeClr>
+          </a:lnRef>
+          <a:fillRef idx="1">
+            <a:schemeClr val="accent1"/>
+          </a:fillRef>
+          <a:effectRef idx="0">
+            <a:schemeClr val="accent1"/>
+          </a:effectRef>
+          <a:fontRef idx="minor">
+            <a:schemeClr val="lt1"/>
+          </a:fontRef>
+        </p:style>
+        <p:txBody>
+          <a:bodyPr rtlCol="0" anchor="ctr"/>
+          <a:lstStyle/>
+          <a:p>
+            <a:pPr algn="ctr"/>
+            <a:endParaRPr lang="en-GB"/>
+          </a:p>
+        </p:txBody>
+      </p:sp>
+      <p:sp>
+        <p:nvSpPr>
+          <p:cNvPr id="18" name="TextBox 17">
+            <a:extLst>
+              <a:ext uri="{FF2B5EF4-FFF2-40B4-BE49-F238E27FC236}">
+                <a16:creationId xmlns:a16="http://schemas.microsoft.com/office/drawing/2014/main" id="{98D979B8-1414-BF46-9D7E-19D54F30D1DE}"/>
+              </a:ext>
+            </a:extLst>
+          </p:cNvPr>
+          <p:cNvSpPr txBox="1"/>
+          <p:nvPr/>
+        </p:nvSpPr>
+        <p:spPr>
+          <a:xfrm>
+            <a:off x="6619923" y="4341384"/>
+            <a:ext cx="4987093" cy="1802160"/>
+          </a:xfrm>
+          <a:prstGeom prst="rect">
+            <a:avLst/>
+          </a:prstGeom>
+          <a:noFill/>
+        </p:spPr>
+        <p:txBody>
           <a:bodyPr wrap="square">
             <a:spAutoFit/>
           </a:bodyPr>
           <a:lstStyle/>
           <a:p>
-            <a:pPr>
+            <a:pPr marL="342900" indent="-342900">
               <a:lnSpc>
                 <a:spcPct val="110000"/>
               </a:lnSpc>
               <a:spcAft>
                 <a:spcPts val="600"/>
               </a:spcAft>
+              <a:buFontTx/>
+              <a:buAutoNum type="arabicParenBoth"/>
             </a:pPr>
             <a:r>
-              <a:rPr lang="en-GB" sz="1400" b="1" spc="70" dirty="0">
-                <a:effectLst/>
+              <a:rPr lang="en-GB" sz="1400" spc="70" dirty="0">
                 <a:latin typeface="Helvetica Neue" panose="02000503000000020004" pitchFamily="2" charset="0"/>
                 <a:ea typeface="Helvetica Neue" panose="02000503000000020004" pitchFamily="2" charset="0"/>
                 <a:cs typeface="Helvetica Neue" panose="02000503000000020004" pitchFamily="2" charset="0"/>
               </a:rPr>
-              <a:t>Sketch to latent codes</a:t>
-            </a:r>
-          </a:p>
-          <a:p>
-            <a:pPr>
+              <a:t>Deploy the trained VAE model to the Python program </a:t>
+            </a:r>
+          </a:p>
+          <a:p>
+            <a:pPr marL="342900" indent="-342900">
               <a:lnSpc>
                 <a:spcPct val="110000"/>
               </a:lnSpc>
               <a:spcAft>
                 <a:spcPts val="600"/>
               </a:spcAft>
+              <a:buFontTx/>
+              <a:buAutoNum type="arabicParenBoth"/>
+            </a:pPr>
+            <a:r>
+              <a:rPr lang="en-GB" sz="1400" spc="70" dirty="0">
+                <a:latin typeface="Helvetica Neue" panose="02000503000000020004" pitchFamily="2" charset="0"/>
+                <a:ea typeface="Helvetica Neue" panose="02000503000000020004" pitchFamily="2" charset="0"/>
+                <a:cs typeface="Helvetica Neue" panose="02000503000000020004" pitchFamily="2" charset="0"/>
+              </a:rPr>
+              <a:t>Max Patch for sound synthesis + </a:t>
+            </a:r>
+            <a:r>
+              <a:rPr lang="en-GB" sz="1400" spc="70" dirty="0" err="1">
+                <a:latin typeface="Helvetica Neue" panose="02000503000000020004" pitchFamily="2" charset="0"/>
+                <a:ea typeface="Helvetica Neue" panose="02000503000000020004" pitchFamily="2" charset="0"/>
+                <a:cs typeface="Helvetica Neue" panose="02000503000000020004" pitchFamily="2" charset="0"/>
+              </a:rPr>
+              <a:t>wekinator</a:t>
+            </a:r>
+            <a:endParaRPr lang="en-GB" sz="1400" spc="70" dirty="0">
+              <a:effectLst/>
+              <a:latin typeface="Helvetica Neue" panose="02000503000000020004" pitchFamily="2" charset="0"/>
+              <a:ea typeface="Helvetica Neue" panose="02000503000000020004" pitchFamily="2" charset="0"/>
+              <a:cs typeface="Helvetica Neue" panose="02000503000000020004" pitchFamily="2" charset="0"/>
+            </a:endParaRPr>
+          </a:p>
+          <a:p>
+            <a:pPr marL="342900" indent="-342900">
+              <a:lnSpc>
+                <a:spcPct val="110000"/>
+              </a:lnSpc>
+              <a:spcAft>
+                <a:spcPts val="600"/>
+              </a:spcAft>
+              <a:buFontTx/>
+              <a:buAutoNum type="arabicParenBoth"/>
+            </a:pPr>
+            <a:r>
+              <a:rPr lang="en-GB" sz="1400" spc="70" dirty="0">
+                <a:latin typeface="Helvetica Neue" panose="02000503000000020004" pitchFamily="2" charset="0"/>
+                <a:ea typeface="Helvetica Neue" panose="02000503000000020004" pitchFamily="2" charset="0"/>
+                <a:cs typeface="Helvetica Neue" panose="02000503000000020004" pitchFamily="2" charset="0"/>
+              </a:rPr>
+              <a:t>Visualisation</a:t>
+            </a:r>
+          </a:p>
+          <a:p>
+            <a:pPr marL="342900" indent="-342900">
+              <a:lnSpc>
+                <a:spcPct val="110000"/>
+              </a:lnSpc>
+              <a:spcAft>
+                <a:spcPts val="600"/>
+              </a:spcAft>
+              <a:buFontTx/>
+              <a:buAutoNum type="arabicParenBoth"/>
             </a:pPr>
             <a:r>
               <a:rPr lang="en-GB" sz="1400" spc="70" dirty="0">
@@ -5135,17 +5803,32 @@
                 <a:ea typeface="Helvetica Neue" panose="02000503000000020004" pitchFamily="2" charset="0"/>
                 <a:cs typeface="Helvetica Neue" panose="02000503000000020004" pitchFamily="2" charset="0"/>
               </a:rPr>
-              <a:t>VAE model (unsupervised paradigm)</a:t>
-            </a:r>
-          </a:p>
-          <a:p>
-            <a:pPr>
+              <a:t>P</a:t>
+            </a:r>
+            <a:r>
+              <a:rPr lang="en-GB" sz="1400" spc="70" dirty="0">
+                <a:latin typeface="Helvetica Neue" panose="02000503000000020004" pitchFamily="2" charset="0"/>
+                <a:ea typeface="Helvetica Neue" panose="02000503000000020004" pitchFamily="2" charset="0"/>
+                <a:cs typeface="Helvetica Neue" panose="02000503000000020004" pitchFamily="2" charset="0"/>
+              </a:rPr>
+              <a:t>hysical container</a:t>
+            </a:r>
+            <a:endParaRPr lang="en-GB" sz="1400" spc="70" dirty="0">
+              <a:effectLst/>
+              <a:latin typeface="Helvetica Neue" panose="02000503000000020004" pitchFamily="2" charset="0"/>
+              <a:ea typeface="Helvetica Neue" panose="02000503000000020004" pitchFamily="2" charset="0"/>
+              <a:cs typeface="Helvetica Neue" panose="02000503000000020004" pitchFamily="2" charset="0"/>
+            </a:endParaRPr>
+          </a:p>
+          <a:p>
+            <a:pPr marL="342900" indent="-342900">
               <a:lnSpc>
                 <a:spcPct val="110000"/>
               </a:lnSpc>
               <a:spcAft>
                 <a:spcPts val="600"/>
               </a:spcAft>
+              <a:buAutoNum type="arabicParenBoth"/>
             </a:pPr>
             <a:endParaRPr lang="en-GB" sz="1400" spc="70" dirty="0">
               <a:effectLst/>
@@ -5154,59 +5837,99 @@
               <a:cs typeface="Helvetica Neue" panose="02000503000000020004" pitchFamily="2" charset="0"/>
             </a:endParaRPr>
           </a:p>
-          <a:p>
-            <a:pPr>
-              <a:lnSpc>
-                <a:spcPct val="110000"/>
-              </a:lnSpc>
-              <a:spcAft>
-                <a:spcPts val="600"/>
-              </a:spcAft>
-            </a:pPr>
-            <a:r>
-              <a:rPr lang="en-GB" sz="1400" b="1" spc="70" dirty="0">
-                <a:effectLst/>
+        </p:txBody>
+      </p:sp>
+      <p:sp>
+        <p:nvSpPr>
+          <p:cNvPr id="19" name="TextBox 18">
+            <a:extLst>
+              <a:ext uri="{FF2B5EF4-FFF2-40B4-BE49-F238E27FC236}">
+                <a16:creationId xmlns:a16="http://schemas.microsoft.com/office/drawing/2014/main" id="{C4DE75BE-5D03-D64E-85E9-8955A4F5F7A3}"/>
+              </a:ext>
+            </a:extLst>
+          </p:cNvPr>
+          <p:cNvSpPr txBox="1"/>
+          <p:nvPr/>
+        </p:nvSpPr>
+        <p:spPr>
+          <a:xfrm>
+            <a:off x="6535839" y="3878994"/>
+            <a:ext cx="5071177" cy="307777"/>
+          </a:xfrm>
+          <a:prstGeom prst="rect">
+            <a:avLst/>
+          </a:prstGeom>
+          <a:noFill/>
+        </p:spPr>
+        <p:txBody>
+          <a:bodyPr wrap="square" rtlCol="0">
+            <a:spAutoFit/>
+          </a:bodyPr>
+          <a:lstStyle/>
+          <a:p>
+            <a:r>
+              <a:rPr lang="en-GB" sz="1400" b="1" dirty="0" err="1">
                 <a:latin typeface="Helvetica Neue" panose="02000503000000020004" pitchFamily="2" charset="0"/>
                 <a:ea typeface="Helvetica Neue" panose="02000503000000020004" pitchFamily="2" charset="0"/>
                 <a:cs typeface="Helvetica Neue" panose="02000503000000020004" pitchFamily="2" charset="0"/>
               </a:rPr>
-              <a:t>latent codes to musical controls</a:t>
-            </a:r>
-          </a:p>
-          <a:p>
-            <a:pPr>
-              <a:lnSpc>
-                <a:spcPct val="110000"/>
-              </a:lnSpc>
-              <a:spcAft>
-                <a:spcPts val="600"/>
-              </a:spcAft>
-            </a:pPr>
-            <a:r>
-              <a:rPr lang="en-GB" sz="1400" spc="70" dirty="0" err="1">
-                <a:effectLst/>
-                <a:latin typeface="Helvetica Neue" panose="02000503000000020004" pitchFamily="2" charset="0"/>
-                <a:ea typeface="Helvetica Neue" panose="02000503000000020004" pitchFamily="2" charset="0"/>
-                <a:cs typeface="Helvetica Neue" panose="02000503000000020004" pitchFamily="2" charset="0"/>
-              </a:rPr>
-              <a:t>Wekinator</a:t>
-            </a:r>
-            <a:r>
-              <a:rPr lang="en-GB" sz="1400" spc="70" dirty="0">
-                <a:effectLst/>
-                <a:latin typeface="Helvetica Neue" panose="02000503000000020004" pitchFamily="2" charset="0"/>
-                <a:ea typeface="Helvetica Neue" panose="02000503000000020004" pitchFamily="2" charset="0"/>
-                <a:cs typeface="Helvetica Neue" panose="02000503000000020004" pitchFamily="2" charset="0"/>
-              </a:rPr>
-              <a:t> (supervised paradigm)</a:t>
-            </a:r>
-          </a:p>
-        </p:txBody>
-      </p:sp>
+              <a:t>Todo</a:t>
+            </a:r>
+            <a:endParaRPr lang="en-GB" sz="1400" b="1" dirty="0">
+              <a:latin typeface="Helvetica Neue" panose="02000503000000020004" pitchFamily="2" charset="0"/>
+              <a:ea typeface="Helvetica Neue" panose="02000503000000020004" pitchFamily="2" charset="0"/>
+              <a:cs typeface="Helvetica Neue" panose="02000503000000020004" pitchFamily="2" charset="0"/>
+            </a:endParaRPr>
+          </a:p>
+        </p:txBody>
+      </p:sp>
+      <p:cxnSp>
+        <p:nvCxnSpPr>
+          <p:cNvPr id="20" name="Straight Connector 19">
+            <a:extLst>
+              <a:ext uri="{FF2B5EF4-FFF2-40B4-BE49-F238E27FC236}">
+                <a16:creationId xmlns:a16="http://schemas.microsoft.com/office/drawing/2014/main" id="{815A2BE8-5F93-E44A-B8D0-0A2BA0BD9479}"/>
+              </a:ext>
+            </a:extLst>
+          </p:cNvPr>
+          <p:cNvCxnSpPr>
+            <a:cxnSpLocks/>
+          </p:cNvCxnSpPr>
+          <p:nvPr/>
+        </p:nvCxnSpPr>
+        <p:spPr>
+          <a:xfrm>
+            <a:off x="6395203" y="3867888"/>
+            <a:ext cx="0" cy="2424594"/>
+          </a:xfrm>
+          <a:prstGeom prst="line">
+            <a:avLst/>
+          </a:prstGeom>
+          <a:ln w="19050">
+            <a:solidFill>
+              <a:schemeClr val="tx1"/>
+            </a:solidFill>
+          </a:ln>
+        </p:spPr>
+        <p:style>
+          <a:lnRef idx="1">
+            <a:schemeClr val="dk1"/>
+          </a:lnRef>
+          <a:fillRef idx="0">
+            <a:schemeClr val="dk1"/>
+          </a:fillRef>
+          <a:effectRef idx="0">
+            <a:schemeClr val="dk1"/>
+          </a:effectRef>
+          <a:fontRef idx="minor">
+            <a:schemeClr val="tx1"/>
+          </a:fontRef>
+        </p:style>
+      </p:cxnSp>
     </p:spTree>
     <p:extLst>
       <p:ext uri="{BB962C8B-B14F-4D97-AF65-F5344CB8AC3E}">
-        <p14:creationId xmlns:p14="http://schemas.microsoft.com/office/powerpoint/2010/main" val="1331208713"/>
+        <p14:creationId xmlns:p14="http://schemas.microsoft.com/office/powerpoint/2010/main" val="1223723454"/>
       </p:ext>
     </p:extLst>
   </p:cSld>
